--- a/iOS行動程式基礎開發上架20堂課/第26堂課上架說明/第26堂課上架說明.pptx
+++ b/iOS行動程式基礎開發上架20堂課/第26堂課上架說明/第26堂課上架說明.pptx
@@ -32838,7 +32838,7 @@
               <a:t>第二十六堂 </a:t>
             </a:r>
             <a:r>
-              <a:t>:TabBarController和WebPage</a:t>
+              <a:t>:上架說明</a:t>
             </a:r>
           </a:p>
         </p:txBody>

--- a/iOS行動程式基礎開發上架20堂課/第26堂課上架說明/第26堂課上架說明.pptx
+++ b/iOS行動程式基礎開發上架20堂課/第26堂課上架說明/第26堂課上架說明.pptx
@@ -11,6 +11,16 @@
     <p:sldId id="256" r:id="rId8"/>
     <p:sldId id="257" r:id="rId9"/>
     <p:sldId id="258" r:id="rId10"/>
+    <p:sldId id="259" r:id="rId11"/>
+    <p:sldId id="260" r:id="rId12"/>
+    <p:sldId id="261" r:id="rId13"/>
+    <p:sldId id="262" r:id="rId14"/>
+    <p:sldId id="263" r:id="rId15"/>
+    <p:sldId id="264" r:id="rId16"/>
+    <p:sldId id="265" r:id="rId17"/>
+    <p:sldId id="266" r:id="rId18"/>
+    <p:sldId id="267" r:id="rId19"/>
+    <p:sldId id="268" r:id="rId20"/>
   </p:sldIdLst>
   <p:sldSz cx="9144000" cy="5143500"/>
   <p:notesSz cx="6858000" cy="9144000"/>
@@ -574,7 +584,7 @@
 </p:notes>
 </file>
 
-<file path=ppt/notesSlides/notesSlide2.xml><?xml version="1.0" encoding="utf-8"?>
+<file path=ppt/notesSlides/notesSlide10.xml><?xml version="1.0" encoding="utf-8"?>
 <p:notes xmlns:a="http://schemas.openxmlformats.org/drawingml/2006/main" xmlns:r="http://schemas.openxmlformats.org/officeDocument/2006/relationships" xmlns:p="http://schemas.openxmlformats.org/presentationml/2006/main" xmlns:m="http://schemas.openxmlformats.org/officeDocument/2006/math" xmlns:a14="http://schemas.microsoft.com/office/drawing/2010/main" showMasterSp="1" showMasterPhAnim="1">
   <p:cSld>
     <p:spTree>
@@ -593,7 +603,7 @@
       </p:grpSpPr>
       <p:sp>
         <p:nvSpPr>
-          <p:cNvPr id="676" name="Shape 676"/>
+          <p:cNvPr id="750" name="Shape 750"/>
           <p:cNvSpPr/>
           <p:nvPr>
             <p:ph type="sldImg"/>
@@ -614,7 +624,727 @@
       </p:sp>
       <p:sp>
         <p:nvSpPr>
+          <p:cNvPr id="751" name="Shape 751"/>
+          <p:cNvSpPr/>
+          <p:nvPr>
+            <p:ph type="body" sz="quarter" idx="1"/>
+          </p:nvPr>
+        </p:nvSpPr>
+        <p:spPr>
+          <a:prstGeom prst="rect">
+            <a:avLst/>
+          </a:prstGeom>
+        </p:spPr>
+        <p:txBody>
+          <a:bodyPr/>
+          <a:lstStyle/>
+          <a:p>
+            <a:pPr>
+              <a:buSzPct val="100000"/>
+              <a:buFont typeface="Arial"/>
+              <a:buChar char="•"/>
+            </a:pPr>
+            <a:r>
+              <a:t>使用目的：讓學員知道該堂課的教學重點有哪些。其他授課講師也可以從該頁看出種子講師對該堂的教學安排。</a:t>
+            </a:r>
+          </a:p>
+          <a:p>
+            <a:pPr>
+              <a:buSzPct val="100000"/>
+              <a:buFont typeface="Arial"/>
+              <a:buChar char="•"/>
+            </a:pPr>
+          </a:p>
+          <a:p>
+            <a:pPr>
+              <a:buSzPct val="100000"/>
+              <a:buFont typeface="Arial"/>
+              <a:buChar char="•"/>
+            </a:pPr>
+            <a:r>
+              <a:t>出現時機：會出現在每一堂課。</a:t>
+            </a:r>
+          </a:p>
+          <a:p>
+            <a:pPr>
+              <a:buSzPct val="100000"/>
+              <a:buFont typeface="Arial"/>
+              <a:buChar char="•"/>
+            </a:pPr>
+          </a:p>
+          <a:p>
+            <a:pPr>
+              <a:buSzPct val="100000"/>
+              <a:buFont typeface="Arial"/>
+              <a:buChar char="•"/>
+              <a:defRPr>
+                <a:solidFill>
+                  <a:srgbClr val="FF0000"/>
+                </a:solidFill>
+              </a:defRPr>
+            </a:pPr>
+            <a:r>
+              <a:t>編修方式</a:t>
+            </a:r>
+            <a:r>
+              <a:rPr>
+                <a:solidFill>
+                  <a:srgbClr val="000000"/>
+                </a:solidFill>
+              </a:rPr>
+              <a:t>：以此頁範例來看，黑字表示該堂有六個重點，每一個重點再分別列出小重點。藍字部份表示有設計與學員互動的「問題回答」（</a:t>
+            </a:r>
+            <a:r>
+              <a:rPr>
+                <a:solidFill>
+                  <a:srgbClr val="000000"/>
+                </a:solidFill>
+              </a:rPr>
+              <a:t>Q&amp;A) </a:t>
+            </a:r>
+            <a:r>
+              <a:rPr>
+                <a:solidFill>
+                  <a:srgbClr val="000000"/>
+                </a:solidFill>
+              </a:rPr>
+              <a:t>或 「自我練習」（學員實機操作練習）。問題回答（</a:t>
+            </a:r>
+            <a:r>
+              <a:rPr>
+                <a:solidFill>
+                  <a:srgbClr val="000000"/>
+                </a:solidFill>
+              </a:rPr>
+              <a:t>Q&amp;A</a:t>
+            </a:r>
+            <a:r>
+              <a:rPr>
+                <a:solidFill>
+                  <a:srgbClr val="000000"/>
+                </a:solidFill>
+              </a:rPr>
+              <a:t>）的題型可以：選擇題，是非題，配合題。</a:t>
+            </a:r>
+          </a:p>
+          <a:p>
+            <a:pPr>
+              <a:buSzPct val="100000"/>
+              <a:buFont typeface="Arial"/>
+              <a:buChar char="•"/>
+            </a:pPr>
+          </a:p>
+          <a:p>
+            <a:pPr>
+              <a:buSzPct val="100000"/>
+              <a:buFont typeface="Arial"/>
+              <a:buChar char="•"/>
+            </a:pPr>
+          </a:p>
+          <a:p>
+            <a:pPr>
+              <a:lnSpc>
+                <a:spcPct val="150000"/>
+              </a:lnSpc>
+              <a:buSzPct val="100000"/>
+              <a:buFont typeface="Arial"/>
+              <a:buChar char="•"/>
+            </a:pPr>
+            <a:r>
+              <a:t>補充說明：一堂課要設計多少個「問題回答」或「自我練習」，由種子講師決定即可。</a:t>
+            </a:r>
+          </a:p>
+        </p:txBody>
+      </p:sp>
+    </p:spTree>
+  </p:cSld>
+  <p:clrMapOvr>
+    <a:masterClrMapping/>
+  </p:clrMapOvr>
+</p:notes>
+</file>
+
+<file path=ppt/notesSlides/notesSlide11.xml><?xml version="1.0" encoding="utf-8"?>
+<p:notes xmlns:a="http://schemas.openxmlformats.org/drawingml/2006/main" xmlns:r="http://schemas.openxmlformats.org/officeDocument/2006/relationships" xmlns:p="http://schemas.openxmlformats.org/presentationml/2006/main" xmlns:m="http://schemas.openxmlformats.org/officeDocument/2006/math" xmlns:a14="http://schemas.microsoft.com/office/drawing/2010/main" showMasterSp="1" showMasterPhAnim="1">
+  <p:cSld>
+    <p:spTree>
+      <p:nvGrpSpPr>
+        <p:cNvPr id="1" name=""/>
+        <p:cNvGrpSpPr/>
+        <p:nvPr/>
+      </p:nvGrpSpPr>
+      <p:grpSpPr>
+        <a:xfrm>
+          <a:off x="0" y="0"/>
+          <a:ext cx="0" cy="0"/>
+          <a:chOff x="0" y="0"/>
+          <a:chExt cx="0" cy="0"/>
+        </a:xfrm>
+      </p:grpSpPr>
+      <p:sp>
+        <p:nvSpPr>
+          <p:cNvPr id="759" name="Shape 759"/>
+          <p:cNvSpPr/>
+          <p:nvPr>
+            <p:ph type="sldImg"/>
+          </p:nvPr>
+        </p:nvSpPr>
+        <p:spPr>
+          <a:prstGeom prst="rect">
+            <a:avLst/>
+          </a:prstGeom>
+        </p:spPr>
+        <p:txBody>
+          <a:bodyPr/>
+          <a:lstStyle/>
+          <a:p>
+            <a:pPr/>
+          </a:p>
+        </p:txBody>
+      </p:sp>
+      <p:sp>
+        <p:nvSpPr>
+          <p:cNvPr id="760" name="Shape 760"/>
+          <p:cNvSpPr/>
+          <p:nvPr>
+            <p:ph type="body" sz="quarter" idx="1"/>
+          </p:nvPr>
+        </p:nvSpPr>
+        <p:spPr>
+          <a:prstGeom prst="rect">
+            <a:avLst/>
+          </a:prstGeom>
+        </p:spPr>
+        <p:txBody>
+          <a:bodyPr/>
+          <a:lstStyle/>
+          <a:p>
+            <a:pPr>
+              <a:buSzPct val="100000"/>
+              <a:buFont typeface="Arial"/>
+              <a:buChar char="•"/>
+            </a:pPr>
+            <a:r>
+              <a:t>使用目的：讓學員知道該堂課的教學重點有哪些。其他授課講師也可以從該頁看出種子講師對該堂的教學安排。</a:t>
+            </a:r>
+          </a:p>
+          <a:p>
+            <a:pPr>
+              <a:buSzPct val="100000"/>
+              <a:buFont typeface="Arial"/>
+              <a:buChar char="•"/>
+            </a:pPr>
+          </a:p>
+          <a:p>
+            <a:pPr>
+              <a:buSzPct val="100000"/>
+              <a:buFont typeface="Arial"/>
+              <a:buChar char="•"/>
+            </a:pPr>
+            <a:r>
+              <a:t>出現時機：會出現在每一堂課。</a:t>
+            </a:r>
+          </a:p>
+          <a:p>
+            <a:pPr>
+              <a:buSzPct val="100000"/>
+              <a:buFont typeface="Arial"/>
+              <a:buChar char="•"/>
+            </a:pPr>
+          </a:p>
+          <a:p>
+            <a:pPr>
+              <a:buSzPct val="100000"/>
+              <a:buFont typeface="Arial"/>
+              <a:buChar char="•"/>
+              <a:defRPr>
+                <a:solidFill>
+                  <a:srgbClr val="FF0000"/>
+                </a:solidFill>
+              </a:defRPr>
+            </a:pPr>
+            <a:r>
+              <a:t>編修方式</a:t>
+            </a:r>
+            <a:r>
+              <a:rPr>
+                <a:solidFill>
+                  <a:srgbClr val="000000"/>
+                </a:solidFill>
+              </a:rPr>
+              <a:t>：以此頁範例來看，黑字表示該堂有六個重點，每一個重點再分別列出小重點。藍字部份表示有設計與學員互動的「問題回答」（</a:t>
+            </a:r>
+            <a:r>
+              <a:rPr>
+                <a:solidFill>
+                  <a:srgbClr val="000000"/>
+                </a:solidFill>
+              </a:rPr>
+              <a:t>Q&amp;A) </a:t>
+            </a:r>
+            <a:r>
+              <a:rPr>
+                <a:solidFill>
+                  <a:srgbClr val="000000"/>
+                </a:solidFill>
+              </a:rPr>
+              <a:t>或 「自我練習」（學員實機操作練習）。問題回答（</a:t>
+            </a:r>
+            <a:r>
+              <a:rPr>
+                <a:solidFill>
+                  <a:srgbClr val="000000"/>
+                </a:solidFill>
+              </a:rPr>
+              <a:t>Q&amp;A</a:t>
+            </a:r>
+            <a:r>
+              <a:rPr>
+                <a:solidFill>
+                  <a:srgbClr val="000000"/>
+                </a:solidFill>
+              </a:rPr>
+              <a:t>）的題型可以：選擇題，是非題，配合題。</a:t>
+            </a:r>
+          </a:p>
+          <a:p>
+            <a:pPr>
+              <a:buSzPct val="100000"/>
+              <a:buFont typeface="Arial"/>
+              <a:buChar char="•"/>
+            </a:pPr>
+          </a:p>
+          <a:p>
+            <a:pPr>
+              <a:buSzPct val="100000"/>
+              <a:buFont typeface="Arial"/>
+              <a:buChar char="•"/>
+            </a:pPr>
+          </a:p>
+          <a:p>
+            <a:pPr>
+              <a:lnSpc>
+                <a:spcPct val="150000"/>
+              </a:lnSpc>
+              <a:buSzPct val="100000"/>
+              <a:buFont typeface="Arial"/>
+              <a:buChar char="•"/>
+            </a:pPr>
+            <a:r>
+              <a:t>補充說明：一堂課要設計多少個「問題回答」或「自我練習」，由種子講師決定即可。</a:t>
+            </a:r>
+          </a:p>
+        </p:txBody>
+      </p:sp>
+    </p:spTree>
+  </p:cSld>
+  <p:clrMapOvr>
+    <a:masterClrMapping/>
+  </p:clrMapOvr>
+</p:notes>
+</file>
+
+<file path=ppt/notesSlides/notesSlide12.xml><?xml version="1.0" encoding="utf-8"?>
+<p:notes xmlns:a="http://schemas.openxmlformats.org/drawingml/2006/main" xmlns:r="http://schemas.openxmlformats.org/officeDocument/2006/relationships" xmlns:p="http://schemas.openxmlformats.org/presentationml/2006/main" xmlns:m="http://schemas.openxmlformats.org/officeDocument/2006/math" xmlns:a14="http://schemas.microsoft.com/office/drawing/2010/main" showMasterSp="1" showMasterPhAnim="1">
+  <p:cSld>
+    <p:spTree>
+      <p:nvGrpSpPr>
+        <p:cNvPr id="1" name=""/>
+        <p:cNvGrpSpPr/>
+        <p:nvPr/>
+      </p:nvGrpSpPr>
+      <p:grpSpPr>
+        <a:xfrm>
+          <a:off x="0" y="0"/>
+          <a:ext cx="0" cy="0"/>
+          <a:chOff x="0" y="0"/>
+          <a:chExt cx="0" cy="0"/>
+        </a:xfrm>
+      </p:grpSpPr>
+      <p:sp>
+        <p:nvSpPr>
+          <p:cNvPr id="768" name="Shape 768"/>
+          <p:cNvSpPr/>
+          <p:nvPr>
+            <p:ph type="sldImg"/>
+          </p:nvPr>
+        </p:nvSpPr>
+        <p:spPr>
+          <a:prstGeom prst="rect">
+            <a:avLst/>
+          </a:prstGeom>
+        </p:spPr>
+        <p:txBody>
+          <a:bodyPr/>
+          <a:lstStyle/>
+          <a:p>
+            <a:pPr/>
+          </a:p>
+        </p:txBody>
+      </p:sp>
+      <p:sp>
+        <p:nvSpPr>
+          <p:cNvPr id="769" name="Shape 769"/>
+          <p:cNvSpPr/>
+          <p:nvPr>
+            <p:ph type="body" sz="quarter" idx="1"/>
+          </p:nvPr>
+        </p:nvSpPr>
+        <p:spPr>
+          <a:prstGeom prst="rect">
+            <a:avLst/>
+          </a:prstGeom>
+        </p:spPr>
+        <p:txBody>
+          <a:bodyPr/>
+          <a:lstStyle/>
+          <a:p>
+            <a:pPr>
+              <a:buSzPct val="100000"/>
+              <a:buFont typeface="Arial"/>
+              <a:buChar char="•"/>
+            </a:pPr>
+            <a:r>
+              <a:t>使用目的：讓學員知道該堂課的教學重點有哪些。其他授課講師也可以從該頁看出種子講師對該堂的教學安排。</a:t>
+            </a:r>
+          </a:p>
+          <a:p>
+            <a:pPr>
+              <a:buSzPct val="100000"/>
+              <a:buFont typeface="Arial"/>
+              <a:buChar char="•"/>
+            </a:pPr>
+          </a:p>
+          <a:p>
+            <a:pPr>
+              <a:buSzPct val="100000"/>
+              <a:buFont typeface="Arial"/>
+              <a:buChar char="•"/>
+            </a:pPr>
+            <a:r>
+              <a:t>出現時機：會出現在每一堂課。</a:t>
+            </a:r>
+          </a:p>
+          <a:p>
+            <a:pPr>
+              <a:buSzPct val="100000"/>
+              <a:buFont typeface="Arial"/>
+              <a:buChar char="•"/>
+            </a:pPr>
+          </a:p>
+          <a:p>
+            <a:pPr>
+              <a:buSzPct val="100000"/>
+              <a:buFont typeface="Arial"/>
+              <a:buChar char="•"/>
+              <a:defRPr>
+                <a:solidFill>
+                  <a:srgbClr val="FF0000"/>
+                </a:solidFill>
+              </a:defRPr>
+            </a:pPr>
+            <a:r>
+              <a:t>編修方式</a:t>
+            </a:r>
+            <a:r>
+              <a:rPr>
+                <a:solidFill>
+                  <a:srgbClr val="000000"/>
+                </a:solidFill>
+              </a:rPr>
+              <a:t>：以此頁範例來看，黑字表示該堂有六個重點，每一個重點再分別列出小重點。藍字部份表示有設計與學員互動的「問題回答」（</a:t>
+            </a:r>
+            <a:r>
+              <a:rPr>
+                <a:solidFill>
+                  <a:srgbClr val="000000"/>
+                </a:solidFill>
+              </a:rPr>
+              <a:t>Q&amp;A) </a:t>
+            </a:r>
+            <a:r>
+              <a:rPr>
+                <a:solidFill>
+                  <a:srgbClr val="000000"/>
+                </a:solidFill>
+              </a:rPr>
+              <a:t>或 「自我練習」（學員實機操作練習）。問題回答（</a:t>
+            </a:r>
+            <a:r>
+              <a:rPr>
+                <a:solidFill>
+                  <a:srgbClr val="000000"/>
+                </a:solidFill>
+              </a:rPr>
+              <a:t>Q&amp;A</a:t>
+            </a:r>
+            <a:r>
+              <a:rPr>
+                <a:solidFill>
+                  <a:srgbClr val="000000"/>
+                </a:solidFill>
+              </a:rPr>
+              <a:t>）的題型可以：選擇題，是非題，配合題。</a:t>
+            </a:r>
+          </a:p>
+          <a:p>
+            <a:pPr>
+              <a:buSzPct val="100000"/>
+              <a:buFont typeface="Arial"/>
+              <a:buChar char="•"/>
+            </a:pPr>
+          </a:p>
+          <a:p>
+            <a:pPr>
+              <a:buSzPct val="100000"/>
+              <a:buFont typeface="Arial"/>
+              <a:buChar char="•"/>
+            </a:pPr>
+          </a:p>
+          <a:p>
+            <a:pPr>
+              <a:lnSpc>
+                <a:spcPct val="150000"/>
+              </a:lnSpc>
+              <a:buSzPct val="100000"/>
+              <a:buFont typeface="Arial"/>
+              <a:buChar char="•"/>
+            </a:pPr>
+            <a:r>
+              <a:t>補充說明：一堂課要設計多少個「問題回答」或「自我練習」，由種子講師決定即可。</a:t>
+            </a:r>
+          </a:p>
+        </p:txBody>
+      </p:sp>
+    </p:spTree>
+  </p:cSld>
+  <p:clrMapOvr>
+    <a:masterClrMapping/>
+  </p:clrMapOvr>
+</p:notes>
+</file>
+
+<file path=ppt/notesSlides/notesSlide13.xml><?xml version="1.0" encoding="utf-8"?>
+<p:notes xmlns:a="http://schemas.openxmlformats.org/drawingml/2006/main" xmlns:r="http://schemas.openxmlformats.org/officeDocument/2006/relationships" xmlns:p="http://schemas.openxmlformats.org/presentationml/2006/main" xmlns:m="http://schemas.openxmlformats.org/officeDocument/2006/math" xmlns:a14="http://schemas.microsoft.com/office/drawing/2010/main" showMasterSp="1" showMasterPhAnim="1">
+  <p:cSld>
+    <p:spTree>
+      <p:nvGrpSpPr>
+        <p:cNvPr id="1" name=""/>
+        <p:cNvGrpSpPr/>
+        <p:nvPr/>
+      </p:nvGrpSpPr>
+      <p:grpSpPr>
+        <a:xfrm>
+          <a:off x="0" y="0"/>
+          <a:ext cx="0" cy="0"/>
+          <a:chOff x="0" y="0"/>
+          <a:chExt cx="0" cy="0"/>
+        </a:xfrm>
+      </p:grpSpPr>
+      <p:sp>
+        <p:nvSpPr>
+          <p:cNvPr id="778" name="Shape 778"/>
+          <p:cNvSpPr/>
+          <p:nvPr>
+            <p:ph type="sldImg"/>
+          </p:nvPr>
+        </p:nvSpPr>
+        <p:spPr>
+          <a:prstGeom prst="rect">
+            <a:avLst/>
+          </a:prstGeom>
+        </p:spPr>
+        <p:txBody>
+          <a:bodyPr/>
+          <a:lstStyle/>
+          <a:p>
+            <a:pPr/>
+          </a:p>
+        </p:txBody>
+      </p:sp>
+      <p:sp>
+        <p:nvSpPr>
+          <p:cNvPr id="779" name="Shape 779"/>
+          <p:cNvSpPr/>
+          <p:nvPr>
+            <p:ph type="body" sz="quarter" idx="1"/>
+          </p:nvPr>
+        </p:nvSpPr>
+        <p:spPr>
+          <a:prstGeom prst="rect">
+            <a:avLst/>
+          </a:prstGeom>
+        </p:spPr>
+        <p:txBody>
+          <a:bodyPr/>
+          <a:lstStyle/>
+          <a:p>
+            <a:pPr>
+              <a:buSzPct val="100000"/>
+              <a:buFont typeface="Arial"/>
+              <a:buChar char="•"/>
+            </a:pPr>
+            <a:r>
+              <a:t>使用目的：讓學員知道該堂課的教學重點有哪些。其他授課講師也可以從該頁看出種子講師對該堂的教學安排。</a:t>
+            </a:r>
+          </a:p>
+          <a:p>
+            <a:pPr>
+              <a:buSzPct val="100000"/>
+              <a:buFont typeface="Arial"/>
+              <a:buChar char="•"/>
+            </a:pPr>
+          </a:p>
+          <a:p>
+            <a:pPr>
+              <a:buSzPct val="100000"/>
+              <a:buFont typeface="Arial"/>
+              <a:buChar char="•"/>
+            </a:pPr>
+            <a:r>
+              <a:t>出現時機：會出現在每一堂課。</a:t>
+            </a:r>
+          </a:p>
+          <a:p>
+            <a:pPr>
+              <a:buSzPct val="100000"/>
+              <a:buFont typeface="Arial"/>
+              <a:buChar char="•"/>
+            </a:pPr>
+          </a:p>
+          <a:p>
+            <a:pPr>
+              <a:buSzPct val="100000"/>
+              <a:buFont typeface="Arial"/>
+              <a:buChar char="•"/>
+              <a:defRPr>
+                <a:solidFill>
+                  <a:srgbClr val="FF0000"/>
+                </a:solidFill>
+              </a:defRPr>
+            </a:pPr>
+            <a:r>
+              <a:t>編修方式</a:t>
+            </a:r>
+            <a:r>
+              <a:rPr>
+                <a:solidFill>
+                  <a:srgbClr val="000000"/>
+                </a:solidFill>
+              </a:rPr>
+              <a:t>：以此頁範例來看，黑字表示該堂有六個重點，每一個重點再分別列出小重點。藍字部份表示有設計與學員互動的「問題回答」（</a:t>
+            </a:r>
+            <a:r>
+              <a:rPr>
+                <a:solidFill>
+                  <a:srgbClr val="000000"/>
+                </a:solidFill>
+              </a:rPr>
+              <a:t>Q&amp;A) </a:t>
+            </a:r>
+            <a:r>
+              <a:rPr>
+                <a:solidFill>
+                  <a:srgbClr val="000000"/>
+                </a:solidFill>
+              </a:rPr>
+              <a:t>或 「自我練習」（學員實機操作練習）。問題回答（</a:t>
+            </a:r>
+            <a:r>
+              <a:rPr>
+                <a:solidFill>
+                  <a:srgbClr val="000000"/>
+                </a:solidFill>
+              </a:rPr>
+              <a:t>Q&amp;A</a:t>
+            </a:r>
+            <a:r>
+              <a:rPr>
+                <a:solidFill>
+                  <a:srgbClr val="000000"/>
+                </a:solidFill>
+              </a:rPr>
+              <a:t>）的題型可以：選擇題，是非題，配合題。</a:t>
+            </a:r>
+          </a:p>
+          <a:p>
+            <a:pPr>
+              <a:buSzPct val="100000"/>
+              <a:buFont typeface="Arial"/>
+              <a:buChar char="•"/>
+            </a:pPr>
+          </a:p>
+          <a:p>
+            <a:pPr>
+              <a:buSzPct val="100000"/>
+              <a:buFont typeface="Arial"/>
+              <a:buChar char="•"/>
+            </a:pPr>
+          </a:p>
+          <a:p>
+            <a:pPr>
+              <a:lnSpc>
+                <a:spcPct val="150000"/>
+              </a:lnSpc>
+              <a:buSzPct val="100000"/>
+              <a:buFont typeface="Arial"/>
+              <a:buChar char="•"/>
+            </a:pPr>
+            <a:r>
+              <a:t>補充說明：一堂課要設計多少個「問題回答」或「自我練習」，由種子講師決定即可。</a:t>
+            </a:r>
+          </a:p>
+        </p:txBody>
+      </p:sp>
+    </p:spTree>
+  </p:cSld>
+  <p:clrMapOvr>
+    <a:masterClrMapping/>
+  </p:clrMapOvr>
+</p:notes>
+</file>
+
+<file path=ppt/notesSlides/notesSlide2.xml><?xml version="1.0" encoding="utf-8"?>
+<p:notes xmlns:a="http://schemas.openxmlformats.org/drawingml/2006/main" xmlns:r="http://schemas.openxmlformats.org/officeDocument/2006/relationships" xmlns:p="http://schemas.openxmlformats.org/presentationml/2006/main" xmlns:m="http://schemas.openxmlformats.org/officeDocument/2006/math" xmlns:a14="http://schemas.microsoft.com/office/drawing/2010/main" showMasterSp="1" showMasterPhAnim="1">
+  <p:cSld>
+    <p:spTree>
+      <p:nvGrpSpPr>
+        <p:cNvPr id="1" name=""/>
+        <p:cNvGrpSpPr/>
+        <p:nvPr/>
+      </p:nvGrpSpPr>
+      <p:grpSpPr>
+        <a:xfrm>
+          <a:off x="0" y="0"/>
+          <a:ext cx="0" cy="0"/>
+          <a:chOff x="0" y="0"/>
+          <a:chExt cx="0" cy="0"/>
+        </a:xfrm>
+      </p:grpSpPr>
+      <p:sp>
+        <p:nvSpPr>
           <p:cNvPr id="677" name="Shape 677"/>
+          <p:cNvSpPr/>
+          <p:nvPr>
+            <p:ph type="sldImg"/>
+          </p:nvPr>
+        </p:nvSpPr>
+        <p:spPr>
+          <a:prstGeom prst="rect">
+            <a:avLst/>
+          </a:prstGeom>
+        </p:spPr>
+        <p:txBody>
+          <a:bodyPr/>
+          <a:lstStyle/>
+          <a:p>
+            <a:pPr/>
+          </a:p>
+        </p:txBody>
+      </p:sp>
+      <p:sp>
+        <p:nvSpPr>
+          <p:cNvPr id="678" name="Shape 678"/>
           <p:cNvSpPr/>
           <p:nvPr>
             <p:ph type="body" sz="quarter" idx="1"/>
@@ -773,7 +1503,7 @@
       </p:grpSpPr>
       <p:sp>
         <p:nvSpPr>
-          <p:cNvPr id="684" name="Shape 684"/>
+          <p:cNvPr id="686" name="Shape 686"/>
           <p:cNvSpPr/>
           <p:nvPr>
             <p:ph type="sldImg"/>
@@ -794,7 +1524,1087 @@
       </p:sp>
       <p:sp>
         <p:nvSpPr>
-          <p:cNvPr id="685" name="Shape 685"/>
+          <p:cNvPr id="687" name="Shape 687"/>
+          <p:cNvSpPr/>
+          <p:nvPr>
+            <p:ph type="body" sz="quarter" idx="1"/>
+          </p:nvPr>
+        </p:nvSpPr>
+        <p:spPr>
+          <a:prstGeom prst="rect">
+            <a:avLst/>
+          </a:prstGeom>
+        </p:spPr>
+        <p:txBody>
+          <a:bodyPr/>
+          <a:lstStyle/>
+          <a:p>
+            <a:pPr>
+              <a:buSzPct val="100000"/>
+              <a:buFont typeface="Arial"/>
+              <a:buChar char="•"/>
+            </a:pPr>
+            <a:r>
+              <a:t>使用目的：讓學員知道該堂課的教學重點有哪些。其他授課講師也可以從該頁看出種子講師對該堂的教學安排。</a:t>
+            </a:r>
+          </a:p>
+          <a:p>
+            <a:pPr>
+              <a:buSzPct val="100000"/>
+              <a:buFont typeface="Arial"/>
+              <a:buChar char="•"/>
+            </a:pPr>
+          </a:p>
+          <a:p>
+            <a:pPr>
+              <a:buSzPct val="100000"/>
+              <a:buFont typeface="Arial"/>
+              <a:buChar char="•"/>
+            </a:pPr>
+            <a:r>
+              <a:t>出現時機：會出現在每一堂課。</a:t>
+            </a:r>
+          </a:p>
+          <a:p>
+            <a:pPr>
+              <a:buSzPct val="100000"/>
+              <a:buFont typeface="Arial"/>
+              <a:buChar char="•"/>
+            </a:pPr>
+          </a:p>
+          <a:p>
+            <a:pPr>
+              <a:buSzPct val="100000"/>
+              <a:buFont typeface="Arial"/>
+              <a:buChar char="•"/>
+              <a:defRPr>
+                <a:solidFill>
+                  <a:srgbClr val="FF0000"/>
+                </a:solidFill>
+              </a:defRPr>
+            </a:pPr>
+            <a:r>
+              <a:t>編修方式</a:t>
+            </a:r>
+            <a:r>
+              <a:rPr>
+                <a:solidFill>
+                  <a:srgbClr val="000000"/>
+                </a:solidFill>
+              </a:rPr>
+              <a:t>：以此頁範例來看，黑字表示該堂有六個重點，每一個重點再分別列出小重點。藍字部份表示有設計與學員互動的「問題回答」（</a:t>
+            </a:r>
+            <a:r>
+              <a:rPr>
+                <a:solidFill>
+                  <a:srgbClr val="000000"/>
+                </a:solidFill>
+              </a:rPr>
+              <a:t>Q&amp;A) </a:t>
+            </a:r>
+            <a:r>
+              <a:rPr>
+                <a:solidFill>
+                  <a:srgbClr val="000000"/>
+                </a:solidFill>
+              </a:rPr>
+              <a:t>或 「自我練習」（學員實機操作練習）。問題回答（</a:t>
+            </a:r>
+            <a:r>
+              <a:rPr>
+                <a:solidFill>
+                  <a:srgbClr val="000000"/>
+                </a:solidFill>
+              </a:rPr>
+              <a:t>Q&amp;A</a:t>
+            </a:r>
+            <a:r>
+              <a:rPr>
+                <a:solidFill>
+                  <a:srgbClr val="000000"/>
+                </a:solidFill>
+              </a:rPr>
+              <a:t>）的題型可以：選擇題，是非題，配合題。</a:t>
+            </a:r>
+          </a:p>
+          <a:p>
+            <a:pPr>
+              <a:buSzPct val="100000"/>
+              <a:buFont typeface="Arial"/>
+              <a:buChar char="•"/>
+            </a:pPr>
+          </a:p>
+          <a:p>
+            <a:pPr>
+              <a:buSzPct val="100000"/>
+              <a:buFont typeface="Arial"/>
+              <a:buChar char="•"/>
+            </a:pPr>
+          </a:p>
+          <a:p>
+            <a:pPr>
+              <a:lnSpc>
+                <a:spcPct val="150000"/>
+              </a:lnSpc>
+              <a:buSzPct val="100000"/>
+              <a:buFont typeface="Arial"/>
+              <a:buChar char="•"/>
+            </a:pPr>
+            <a:r>
+              <a:t>補充說明：一堂課要設計多少個「問題回答」或「自我練習」，由種子講師決定即可。</a:t>
+            </a:r>
+          </a:p>
+        </p:txBody>
+      </p:sp>
+    </p:spTree>
+  </p:cSld>
+  <p:clrMapOvr>
+    <a:masterClrMapping/>
+  </p:clrMapOvr>
+</p:notes>
+</file>
+
+<file path=ppt/notesSlides/notesSlide4.xml><?xml version="1.0" encoding="utf-8"?>
+<p:notes xmlns:a="http://schemas.openxmlformats.org/drawingml/2006/main" xmlns:r="http://schemas.openxmlformats.org/officeDocument/2006/relationships" xmlns:p="http://schemas.openxmlformats.org/presentationml/2006/main" xmlns:m="http://schemas.openxmlformats.org/officeDocument/2006/math" xmlns:a14="http://schemas.microsoft.com/office/drawing/2010/main" showMasterSp="1" showMasterPhAnim="1">
+  <p:cSld>
+    <p:spTree>
+      <p:nvGrpSpPr>
+        <p:cNvPr id="1" name=""/>
+        <p:cNvGrpSpPr/>
+        <p:nvPr/>
+      </p:nvGrpSpPr>
+      <p:grpSpPr>
+        <a:xfrm>
+          <a:off x="0" y="0"/>
+          <a:ext cx="0" cy="0"/>
+          <a:chOff x="0" y="0"/>
+          <a:chExt cx="0" cy="0"/>
+        </a:xfrm>
+      </p:grpSpPr>
+      <p:sp>
+        <p:nvSpPr>
+          <p:cNvPr id="695" name="Shape 695"/>
+          <p:cNvSpPr/>
+          <p:nvPr>
+            <p:ph type="sldImg"/>
+          </p:nvPr>
+        </p:nvSpPr>
+        <p:spPr>
+          <a:prstGeom prst="rect">
+            <a:avLst/>
+          </a:prstGeom>
+        </p:spPr>
+        <p:txBody>
+          <a:bodyPr/>
+          <a:lstStyle/>
+          <a:p>
+            <a:pPr/>
+          </a:p>
+        </p:txBody>
+      </p:sp>
+      <p:sp>
+        <p:nvSpPr>
+          <p:cNvPr id="696" name="Shape 696"/>
+          <p:cNvSpPr/>
+          <p:nvPr>
+            <p:ph type="body" sz="quarter" idx="1"/>
+          </p:nvPr>
+        </p:nvSpPr>
+        <p:spPr>
+          <a:prstGeom prst="rect">
+            <a:avLst/>
+          </a:prstGeom>
+        </p:spPr>
+        <p:txBody>
+          <a:bodyPr/>
+          <a:lstStyle/>
+          <a:p>
+            <a:pPr>
+              <a:buSzPct val="100000"/>
+              <a:buFont typeface="Arial"/>
+              <a:buChar char="•"/>
+            </a:pPr>
+            <a:r>
+              <a:t>使用目的：讓學員知道該堂課的教學重點有哪些。其他授課講師也可以從該頁看出種子講師對該堂的教學安排。</a:t>
+            </a:r>
+          </a:p>
+          <a:p>
+            <a:pPr>
+              <a:buSzPct val="100000"/>
+              <a:buFont typeface="Arial"/>
+              <a:buChar char="•"/>
+            </a:pPr>
+          </a:p>
+          <a:p>
+            <a:pPr>
+              <a:buSzPct val="100000"/>
+              <a:buFont typeface="Arial"/>
+              <a:buChar char="•"/>
+            </a:pPr>
+            <a:r>
+              <a:t>出現時機：會出現在每一堂課。</a:t>
+            </a:r>
+          </a:p>
+          <a:p>
+            <a:pPr>
+              <a:buSzPct val="100000"/>
+              <a:buFont typeface="Arial"/>
+              <a:buChar char="•"/>
+            </a:pPr>
+          </a:p>
+          <a:p>
+            <a:pPr>
+              <a:buSzPct val="100000"/>
+              <a:buFont typeface="Arial"/>
+              <a:buChar char="•"/>
+              <a:defRPr>
+                <a:solidFill>
+                  <a:srgbClr val="FF0000"/>
+                </a:solidFill>
+              </a:defRPr>
+            </a:pPr>
+            <a:r>
+              <a:t>編修方式</a:t>
+            </a:r>
+            <a:r>
+              <a:rPr>
+                <a:solidFill>
+                  <a:srgbClr val="000000"/>
+                </a:solidFill>
+              </a:rPr>
+              <a:t>：以此頁範例來看，黑字表示該堂有六個重點，每一個重點再分別列出小重點。藍字部份表示有設計與學員互動的「問題回答」（</a:t>
+            </a:r>
+            <a:r>
+              <a:rPr>
+                <a:solidFill>
+                  <a:srgbClr val="000000"/>
+                </a:solidFill>
+              </a:rPr>
+              <a:t>Q&amp;A) </a:t>
+            </a:r>
+            <a:r>
+              <a:rPr>
+                <a:solidFill>
+                  <a:srgbClr val="000000"/>
+                </a:solidFill>
+              </a:rPr>
+              <a:t>或 「自我練習」（學員實機操作練習）。問題回答（</a:t>
+            </a:r>
+            <a:r>
+              <a:rPr>
+                <a:solidFill>
+                  <a:srgbClr val="000000"/>
+                </a:solidFill>
+              </a:rPr>
+              <a:t>Q&amp;A</a:t>
+            </a:r>
+            <a:r>
+              <a:rPr>
+                <a:solidFill>
+                  <a:srgbClr val="000000"/>
+                </a:solidFill>
+              </a:rPr>
+              <a:t>）的題型可以：選擇題，是非題，配合題。</a:t>
+            </a:r>
+          </a:p>
+          <a:p>
+            <a:pPr>
+              <a:buSzPct val="100000"/>
+              <a:buFont typeface="Arial"/>
+              <a:buChar char="•"/>
+            </a:pPr>
+          </a:p>
+          <a:p>
+            <a:pPr>
+              <a:buSzPct val="100000"/>
+              <a:buFont typeface="Arial"/>
+              <a:buChar char="•"/>
+            </a:pPr>
+          </a:p>
+          <a:p>
+            <a:pPr>
+              <a:lnSpc>
+                <a:spcPct val="150000"/>
+              </a:lnSpc>
+              <a:buSzPct val="100000"/>
+              <a:buFont typeface="Arial"/>
+              <a:buChar char="•"/>
+            </a:pPr>
+            <a:r>
+              <a:t>補充說明：一堂課要設計多少個「問題回答」或「自我練習」，由種子講師決定即可。</a:t>
+            </a:r>
+          </a:p>
+        </p:txBody>
+      </p:sp>
+    </p:spTree>
+  </p:cSld>
+  <p:clrMapOvr>
+    <a:masterClrMapping/>
+  </p:clrMapOvr>
+</p:notes>
+</file>
+
+<file path=ppt/notesSlides/notesSlide5.xml><?xml version="1.0" encoding="utf-8"?>
+<p:notes xmlns:a="http://schemas.openxmlformats.org/drawingml/2006/main" xmlns:r="http://schemas.openxmlformats.org/officeDocument/2006/relationships" xmlns:p="http://schemas.openxmlformats.org/presentationml/2006/main" xmlns:m="http://schemas.openxmlformats.org/officeDocument/2006/math" xmlns:a14="http://schemas.microsoft.com/office/drawing/2010/main" showMasterSp="1" showMasterPhAnim="1">
+  <p:cSld>
+    <p:spTree>
+      <p:nvGrpSpPr>
+        <p:cNvPr id="1" name=""/>
+        <p:cNvGrpSpPr/>
+        <p:nvPr/>
+      </p:nvGrpSpPr>
+      <p:grpSpPr>
+        <a:xfrm>
+          <a:off x="0" y="0"/>
+          <a:ext cx="0" cy="0"/>
+          <a:chOff x="0" y="0"/>
+          <a:chExt cx="0" cy="0"/>
+        </a:xfrm>
+      </p:grpSpPr>
+      <p:sp>
+        <p:nvSpPr>
+          <p:cNvPr id="704" name="Shape 704"/>
+          <p:cNvSpPr/>
+          <p:nvPr>
+            <p:ph type="sldImg"/>
+          </p:nvPr>
+        </p:nvSpPr>
+        <p:spPr>
+          <a:prstGeom prst="rect">
+            <a:avLst/>
+          </a:prstGeom>
+        </p:spPr>
+        <p:txBody>
+          <a:bodyPr/>
+          <a:lstStyle/>
+          <a:p>
+            <a:pPr/>
+          </a:p>
+        </p:txBody>
+      </p:sp>
+      <p:sp>
+        <p:nvSpPr>
+          <p:cNvPr id="705" name="Shape 705"/>
+          <p:cNvSpPr/>
+          <p:nvPr>
+            <p:ph type="body" sz="quarter" idx="1"/>
+          </p:nvPr>
+        </p:nvSpPr>
+        <p:spPr>
+          <a:prstGeom prst="rect">
+            <a:avLst/>
+          </a:prstGeom>
+        </p:spPr>
+        <p:txBody>
+          <a:bodyPr/>
+          <a:lstStyle/>
+          <a:p>
+            <a:pPr>
+              <a:buSzPct val="100000"/>
+              <a:buFont typeface="Arial"/>
+              <a:buChar char="•"/>
+            </a:pPr>
+            <a:r>
+              <a:t>使用目的：讓學員知道該堂課的教學重點有哪些。其他授課講師也可以從該頁看出種子講師對該堂的教學安排。</a:t>
+            </a:r>
+          </a:p>
+          <a:p>
+            <a:pPr>
+              <a:buSzPct val="100000"/>
+              <a:buFont typeface="Arial"/>
+              <a:buChar char="•"/>
+            </a:pPr>
+          </a:p>
+          <a:p>
+            <a:pPr>
+              <a:buSzPct val="100000"/>
+              <a:buFont typeface="Arial"/>
+              <a:buChar char="•"/>
+            </a:pPr>
+            <a:r>
+              <a:t>出現時機：會出現在每一堂課。</a:t>
+            </a:r>
+          </a:p>
+          <a:p>
+            <a:pPr>
+              <a:buSzPct val="100000"/>
+              <a:buFont typeface="Arial"/>
+              <a:buChar char="•"/>
+            </a:pPr>
+          </a:p>
+          <a:p>
+            <a:pPr>
+              <a:buSzPct val="100000"/>
+              <a:buFont typeface="Arial"/>
+              <a:buChar char="•"/>
+              <a:defRPr>
+                <a:solidFill>
+                  <a:srgbClr val="FF0000"/>
+                </a:solidFill>
+              </a:defRPr>
+            </a:pPr>
+            <a:r>
+              <a:t>編修方式</a:t>
+            </a:r>
+            <a:r>
+              <a:rPr>
+                <a:solidFill>
+                  <a:srgbClr val="000000"/>
+                </a:solidFill>
+              </a:rPr>
+              <a:t>：以此頁範例來看，黑字表示該堂有六個重點，每一個重點再分別列出小重點。藍字部份表示有設計與學員互動的「問題回答」（</a:t>
+            </a:r>
+            <a:r>
+              <a:rPr>
+                <a:solidFill>
+                  <a:srgbClr val="000000"/>
+                </a:solidFill>
+              </a:rPr>
+              <a:t>Q&amp;A) </a:t>
+            </a:r>
+            <a:r>
+              <a:rPr>
+                <a:solidFill>
+                  <a:srgbClr val="000000"/>
+                </a:solidFill>
+              </a:rPr>
+              <a:t>或 「自我練習」（學員實機操作練習）。問題回答（</a:t>
+            </a:r>
+            <a:r>
+              <a:rPr>
+                <a:solidFill>
+                  <a:srgbClr val="000000"/>
+                </a:solidFill>
+              </a:rPr>
+              <a:t>Q&amp;A</a:t>
+            </a:r>
+            <a:r>
+              <a:rPr>
+                <a:solidFill>
+                  <a:srgbClr val="000000"/>
+                </a:solidFill>
+              </a:rPr>
+              <a:t>）的題型可以：選擇題，是非題，配合題。</a:t>
+            </a:r>
+          </a:p>
+          <a:p>
+            <a:pPr>
+              <a:buSzPct val="100000"/>
+              <a:buFont typeface="Arial"/>
+              <a:buChar char="•"/>
+            </a:pPr>
+          </a:p>
+          <a:p>
+            <a:pPr>
+              <a:buSzPct val="100000"/>
+              <a:buFont typeface="Arial"/>
+              <a:buChar char="•"/>
+            </a:pPr>
+          </a:p>
+          <a:p>
+            <a:pPr>
+              <a:lnSpc>
+                <a:spcPct val="150000"/>
+              </a:lnSpc>
+              <a:buSzPct val="100000"/>
+              <a:buFont typeface="Arial"/>
+              <a:buChar char="•"/>
+            </a:pPr>
+            <a:r>
+              <a:t>補充說明：一堂課要設計多少個「問題回答」或「自我練習」，由種子講師決定即可。</a:t>
+            </a:r>
+          </a:p>
+        </p:txBody>
+      </p:sp>
+    </p:spTree>
+  </p:cSld>
+  <p:clrMapOvr>
+    <a:masterClrMapping/>
+  </p:clrMapOvr>
+</p:notes>
+</file>
+
+<file path=ppt/notesSlides/notesSlide6.xml><?xml version="1.0" encoding="utf-8"?>
+<p:notes xmlns:a="http://schemas.openxmlformats.org/drawingml/2006/main" xmlns:r="http://schemas.openxmlformats.org/officeDocument/2006/relationships" xmlns:p="http://schemas.openxmlformats.org/presentationml/2006/main" xmlns:m="http://schemas.openxmlformats.org/officeDocument/2006/math" xmlns:a14="http://schemas.microsoft.com/office/drawing/2010/main" showMasterSp="1" showMasterPhAnim="1">
+  <p:cSld>
+    <p:spTree>
+      <p:nvGrpSpPr>
+        <p:cNvPr id="1" name=""/>
+        <p:cNvGrpSpPr/>
+        <p:nvPr/>
+      </p:nvGrpSpPr>
+      <p:grpSpPr>
+        <a:xfrm>
+          <a:off x="0" y="0"/>
+          <a:ext cx="0" cy="0"/>
+          <a:chOff x="0" y="0"/>
+          <a:chExt cx="0" cy="0"/>
+        </a:xfrm>
+      </p:grpSpPr>
+      <p:sp>
+        <p:nvSpPr>
+          <p:cNvPr id="713" name="Shape 713"/>
+          <p:cNvSpPr/>
+          <p:nvPr>
+            <p:ph type="sldImg"/>
+          </p:nvPr>
+        </p:nvSpPr>
+        <p:spPr>
+          <a:prstGeom prst="rect">
+            <a:avLst/>
+          </a:prstGeom>
+        </p:spPr>
+        <p:txBody>
+          <a:bodyPr/>
+          <a:lstStyle/>
+          <a:p>
+            <a:pPr/>
+          </a:p>
+        </p:txBody>
+      </p:sp>
+      <p:sp>
+        <p:nvSpPr>
+          <p:cNvPr id="714" name="Shape 714"/>
+          <p:cNvSpPr/>
+          <p:nvPr>
+            <p:ph type="body" sz="quarter" idx="1"/>
+          </p:nvPr>
+        </p:nvSpPr>
+        <p:spPr>
+          <a:prstGeom prst="rect">
+            <a:avLst/>
+          </a:prstGeom>
+        </p:spPr>
+        <p:txBody>
+          <a:bodyPr/>
+          <a:lstStyle/>
+          <a:p>
+            <a:pPr>
+              <a:buSzPct val="100000"/>
+              <a:buFont typeface="Arial"/>
+              <a:buChar char="•"/>
+            </a:pPr>
+            <a:r>
+              <a:t>使用目的：讓學員知道該堂課的教學重點有哪些。其他授課講師也可以從該頁看出種子講師對該堂的教學安排。</a:t>
+            </a:r>
+          </a:p>
+          <a:p>
+            <a:pPr>
+              <a:buSzPct val="100000"/>
+              <a:buFont typeface="Arial"/>
+              <a:buChar char="•"/>
+            </a:pPr>
+          </a:p>
+          <a:p>
+            <a:pPr>
+              <a:buSzPct val="100000"/>
+              <a:buFont typeface="Arial"/>
+              <a:buChar char="•"/>
+            </a:pPr>
+            <a:r>
+              <a:t>出現時機：會出現在每一堂課。</a:t>
+            </a:r>
+          </a:p>
+          <a:p>
+            <a:pPr>
+              <a:buSzPct val="100000"/>
+              <a:buFont typeface="Arial"/>
+              <a:buChar char="•"/>
+            </a:pPr>
+          </a:p>
+          <a:p>
+            <a:pPr>
+              <a:buSzPct val="100000"/>
+              <a:buFont typeface="Arial"/>
+              <a:buChar char="•"/>
+              <a:defRPr>
+                <a:solidFill>
+                  <a:srgbClr val="FF0000"/>
+                </a:solidFill>
+              </a:defRPr>
+            </a:pPr>
+            <a:r>
+              <a:t>編修方式</a:t>
+            </a:r>
+            <a:r>
+              <a:rPr>
+                <a:solidFill>
+                  <a:srgbClr val="000000"/>
+                </a:solidFill>
+              </a:rPr>
+              <a:t>：以此頁範例來看，黑字表示該堂有六個重點，每一個重點再分別列出小重點。藍字部份表示有設計與學員互動的「問題回答」（</a:t>
+            </a:r>
+            <a:r>
+              <a:rPr>
+                <a:solidFill>
+                  <a:srgbClr val="000000"/>
+                </a:solidFill>
+              </a:rPr>
+              <a:t>Q&amp;A) </a:t>
+            </a:r>
+            <a:r>
+              <a:rPr>
+                <a:solidFill>
+                  <a:srgbClr val="000000"/>
+                </a:solidFill>
+              </a:rPr>
+              <a:t>或 「自我練習」（學員實機操作練習）。問題回答（</a:t>
+            </a:r>
+            <a:r>
+              <a:rPr>
+                <a:solidFill>
+                  <a:srgbClr val="000000"/>
+                </a:solidFill>
+              </a:rPr>
+              <a:t>Q&amp;A</a:t>
+            </a:r>
+            <a:r>
+              <a:rPr>
+                <a:solidFill>
+                  <a:srgbClr val="000000"/>
+                </a:solidFill>
+              </a:rPr>
+              <a:t>）的題型可以：選擇題，是非題，配合題。</a:t>
+            </a:r>
+          </a:p>
+          <a:p>
+            <a:pPr>
+              <a:buSzPct val="100000"/>
+              <a:buFont typeface="Arial"/>
+              <a:buChar char="•"/>
+            </a:pPr>
+          </a:p>
+          <a:p>
+            <a:pPr>
+              <a:buSzPct val="100000"/>
+              <a:buFont typeface="Arial"/>
+              <a:buChar char="•"/>
+            </a:pPr>
+          </a:p>
+          <a:p>
+            <a:pPr>
+              <a:lnSpc>
+                <a:spcPct val="150000"/>
+              </a:lnSpc>
+              <a:buSzPct val="100000"/>
+              <a:buFont typeface="Arial"/>
+              <a:buChar char="•"/>
+            </a:pPr>
+            <a:r>
+              <a:t>補充說明：一堂課要設計多少個「問題回答」或「自我練習」，由種子講師決定即可。</a:t>
+            </a:r>
+          </a:p>
+        </p:txBody>
+      </p:sp>
+    </p:spTree>
+  </p:cSld>
+  <p:clrMapOvr>
+    <a:masterClrMapping/>
+  </p:clrMapOvr>
+</p:notes>
+</file>
+
+<file path=ppt/notesSlides/notesSlide7.xml><?xml version="1.0" encoding="utf-8"?>
+<p:notes xmlns:a="http://schemas.openxmlformats.org/drawingml/2006/main" xmlns:r="http://schemas.openxmlformats.org/officeDocument/2006/relationships" xmlns:p="http://schemas.openxmlformats.org/presentationml/2006/main" xmlns:m="http://schemas.openxmlformats.org/officeDocument/2006/math" xmlns:a14="http://schemas.microsoft.com/office/drawing/2010/main" showMasterSp="1" showMasterPhAnim="1">
+  <p:cSld>
+    <p:spTree>
+      <p:nvGrpSpPr>
+        <p:cNvPr id="1" name=""/>
+        <p:cNvGrpSpPr/>
+        <p:nvPr/>
+      </p:nvGrpSpPr>
+      <p:grpSpPr>
+        <a:xfrm>
+          <a:off x="0" y="0"/>
+          <a:ext cx="0" cy="0"/>
+          <a:chOff x="0" y="0"/>
+          <a:chExt cx="0" cy="0"/>
+        </a:xfrm>
+      </p:grpSpPr>
+      <p:sp>
+        <p:nvSpPr>
+          <p:cNvPr id="722" name="Shape 722"/>
+          <p:cNvSpPr/>
+          <p:nvPr>
+            <p:ph type="sldImg"/>
+          </p:nvPr>
+        </p:nvSpPr>
+        <p:spPr>
+          <a:prstGeom prst="rect">
+            <a:avLst/>
+          </a:prstGeom>
+        </p:spPr>
+        <p:txBody>
+          <a:bodyPr/>
+          <a:lstStyle/>
+          <a:p>
+            <a:pPr/>
+          </a:p>
+        </p:txBody>
+      </p:sp>
+      <p:sp>
+        <p:nvSpPr>
+          <p:cNvPr id="723" name="Shape 723"/>
+          <p:cNvSpPr/>
+          <p:nvPr>
+            <p:ph type="body" sz="quarter" idx="1"/>
+          </p:nvPr>
+        </p:nvSpPr>
+        <p:spPr>
+          <a:prstGeom prst="rect">
+            <a:avLst/>
+          </a:prstGeom>
+        </p:spPr>
+        <p:txBody>
+          <a:bodyPr/>
+          <a:lstStyle/>
+          <a:p>
+            <a:pPr>
+              <a:buSzPct val="100000"/>
+              <a:buFont typeface="Arial"/>
+              <a:buChar char="•"/>
+            </a:pPr>
+            <a:r>
+              <a:t>使用目的：讓學員知道該堂課的教學重點有哪些。其他授課講師也可以從該頁看出種子講師對該堂的教學安排。</a:t>
+            </a:r>
+          </a:p>
+          <a:p>
+            <a:pPr>
+              <a:buSzPct val="100000"/>
+              <a:buFont typeface="Arial"/>
+              <a:buChar char="•"/>
+            </a:pPr>
+          </a:p>
+          <a:p>
+            <a:pPr>
+              <a:buSzPct val="100000"/>
+              <a:buFont typeface="Arial"/>
+              <a:buChar char="•"/>
+            </a:pPr>
+            <a:r>
+              <a:t>出現時機：會出現在每一堂課。</a:t>
+            </a:r>
+          </a:p>
+          <a:p>
+            <a:pPr>
+              <a:buSzPct val="100000"/>
+              <a:buFont typeface="Arial"/>
+              <a:buChar char="•"/>
+            </a:pPr>
+          </a:p>
+          <a:p>
+            <a:pPr>
+              <a:buSzPct val="100000"/>
+              <a:buFont typeface="Arial"/>
+              <a:buChar char="•"/>
+              <a:defRPr>
+                <a:solidFill>
+                  <a:srgbClr val="FF0000"/>
+                </a:solidFill>
+              </a:defRPr>
+            </a:pPr>
+            <a:r>
+              <a:t>編修方式</a:t>
+            </a:r>
+            <a:r>
+              <a:rPr>
+                <a:solidFill>
+                  <a:srgbClr val="000000"/>
+                </a:solidFill>
+              </a:rPr>
+              <a:t>：以此頁範例來看，黑字表示該堂有六個重點，每一個重點再分別列出小重點。藍字部份表示有設計與學員互動的「問題回答」（</a:t>
+            </a:r>
+            <a:r>
+              <a:rPr>
+                <a:solidFill>
+                  <a:srgbClr val="000000"/>
+                </a:solidFill>
+              </a:rPr>
+              <a:t>Q&amp;A) </a:t>
+            </a:r>
+            <a:r>
+              <a:rPr>
+                <a:solidFill>
+                  <a:srgbClr val="000000"/>
+                </a:solidFill>
+              </a:rPr>
+              <a:t>或 「自我練習」（學員實機操作練習）。問題回答（</a:t>
+            </a:r>
+            <a:r>
+              <a:rPr>
+                <a:solidFill>
+                  <a:srgbClr val="000000"/>
+                </a:solidFill>
+              </a:rPr>
+              <a:t>Q&amp;A</a:t>
+            </a:r>
+            <a:r>
+              <a:rPr>
+                <a:solidFill>
+                  <a:srgbClr val="000000"/>
+                </a:solidFill>
+              </a:rPr>
+              <a:t>）的題型可以：選擇題，是非題，配合題。</a:t>
+            </a:r>
+          </a:p>
+          <a:p>
+            <a:pPr>
+              <a:buSzPct val="100000"/>
+              <a:buFont typeface="Arial"/>
+              <a:buChar char="•"/>
+            </a:pPr>
+          </a:p>
+          <a:p>
+            <a:pPr>
+              <a:buSzPct val="100000"/>
+              <a:buFont typeface="Arial"/>
+              <a:buChar char="•"/>
+            </a:pPr>
+          </a:p>
+          <a:p>
+            <a:pPr>
+              <a:lnSpc>
+                <a:spcPct val="150000"/>
+              </a:lnSpc>
+              <a:buSzPct val="100000"/>
+              <a:buFont typeface="Arial"/>
+              <a:buChar char="•"/>
+            </a:pPr>
+            <a:r>
+              <a:t>補充說明：一堂課要設計多少個「問題回答」或「自我練習」，由種子講師決定即可。</a:t>
+            </a:r>
+          </a:p>
+        </p:txBody>
+      </p:sp>
+    </p:spTree>
+  </p:cSld>
+  <p:clrMapOvr>
+    <a:masterClrMapping/>
+  </p:clrMapOvr>
+</p:notes>
+</file>
+
+<file path=ppt/notesSlides/notesSlide8.xml><?xml version="1.0" encoding="utf-8"?>
+<p:notes xmlns:a="http://schemas.openxmlformats.org/drawingml/2006/main" xmlns:r="http://schemas.openxmlformats.org/officeDocument/2006/relationships" xmlns:p="http://schemas.openxmlformats.org/presentationml/2006/main" xmlns:m="http://schemas.openxmlformats.org/officeDocument/2006/math" xmlns:a14="http://schemas.microsoft.com/office/drawing/2010/main" showMasterSp="1" showMasterPhAnim="1">
+  <p:cSld>
+    <p:spTree>
+      <p:nvGrpSpPr>
+        <p:cNvPr id="1" name=""/>
+        <p:cNvGrpSpPr/>
+        <p:nvPr/>
+      </p:nvGrpSpPr>
+      <p:grpSpPr>
+        <a:xfrm>
+          <a:off x="0" y="0"/>
+          <a:ext cx="0" cy="0"/>
+          <a:chOff x="0" y="0"/>
+          <a:chExt cx="0" cy="0"/>
+        </a:xfrm>
+      </p:grpSpPr>
+      <p:sp>
+        <p:nvSpPr>
+          <p:cNvPr id="731" name="Shape 731"/>
+          <p:cNvSpPr/>
+          <p:nvPr>
+            <p:ph type="sldImg"/>
+          </p:nvPr>
+        </p:nvSpPr>
+        <p:spPr>
+          <a:prstGeom prst="rect">
+            <a:avLst/>
+          </a:prstGeom>
+        </p:spPr>
+        <p:txBody>
+          <a:bodyPr/>
+          <a:lstStyle/>
+          <a:p>
+            <a:pPr/>
+          </a:p>
+        </p:txBody>
+      </p:sp>
+      <p:sp>
+        <p:nvSpPr>
+          <p:cNvPr id="732" name="Shape 732"/>
+          <p:cNvSpPr/>
+          <p:nvPr>
+            <p:ph type="body" sz="quarter" idx="1"/>
+          </p:nvPr>
+        </p:nvSpPr>
+        <p:spPr>
+          <a:prstGeom prst="rect">
+            <a:avLst/>
+          </a:prstGeom>
+        </p:spPr>
+        <p:txBody>
+          <a:bodyPr/>
+          <a:lstStyle/>
+          <a:p>
+            <a:pPr>
+              <a:buSzPct val="100000"/>
+              <a:buFont typeface="Arial"/>
+              <a:buChar char="•"/>
+            </a:pPr>
+            <a:r>
+              <a:t>使用目的：讓學員知道該堂課的教學重點有哪些。其他授課講師也可以從該頁看出種子講師對該堂的教學安排。</a:t>
+            </a:r>
+          </a:p>
+          <a:p>
+            <a:pPr>
+              <a:buSzPct val="100000"/>
+              <a:buFont typeface="Arial"/>
+              <a:buChar char="•"/>
+            </a:pPr>
+          </a:p>
+          <a:p>
+            <a:pPr>
+              <a:buSzPct val="100000"/>
+              <a:buFont typeface="Arial"/>
+              <a:buChar char="•"/>
+            </a:pPr>
+            <a:r>
+              <a:t>出現時機：會出現在每一堂課。</a:t>
+            </a:r>
+          </a:p>
+          <a:p>
+            <a:pPr>
+              <a:buSzPct val="100000"/>
+              <a:buFont typeface="Arial"/>
+              <a:buChar char="•"/>
+            </a:pPr>
+          </a:p>
+          <a:p>
+            <a:pPr>
+              <a:buSzPct val="100000"/>
+              <a:buFont typeface="Arial"/>
+              <a:buChar char="•"/>
+              <a:defRPr>
+                <a:solidFill>
+                  <a:srgbClr val="FF0000"/>
+                </a:solidFill>
+              </a:defRPr>
+            </a:pPr>
+            <a:r>
+              <a:t>編修方式</a:t>
+            </a:r>
+            <a:r>
+              <a:rPr>
+                <a:solidFill>
+                  <a:srgbClr val="000000"/>
+                </a:solidFill>
+              </a:rPr>
+              <a:t>：以此頁範例來看，黑字表示該堂有六個重點，每一個重點再分別列出小重點。藍字部份表示有設計與學員互動的「問題回答」（</a:t>
+            </a:r>
+            <a:r>
+              <a:rPr>
+                <a:solidFill>
+                  <a:srgbClr val="000000"/>
+                </a:solidFill>
+              </a:rPr>
+              <a:t>Q&amp;A) </a:t>
+            </a:r>
+            <a:r>
+              <a:rPr>
+                <a:solidFill>
+                  <a:srgbClr val="000000"/>
+                </a:solidFill>
+              </a:rPr>
+              <a:t>或 「自我練習」（學員實機操作練習）。問題回答（</a:t>
+            </a:r>
+            <a:r>
+              <a:rPr>
+                <a:solidFill>
+                  <a:srgbClr val="000000"/>
+                </a:solidFill>
+              </a:rPr>
+              <a:t>Q&amp;A</a:t>
+            </a:r>
+            <a:r>
+              <a:rPr>
+                <a:solidFill>
+                  <a:srgbClr val="000000"/>
+                </a:solidFill>
+              </a:rPr>
+              <a:t>）的題型可以：選擇題，是非題，配合題。</a:t>
+            </a:r>
+          </a:p>
+          <a:p>
+            <a:pPr>
+              <a:buSzPct val="100000"/>
+              <a:buFont typeface="Arial"/>
+              <a:buChar char="•"/>
+            </a:pPr>
+          </a:p>
+          <a:p>
+            <a:pPr>
+              <a:buSzPct val="100000"/>
+              <a:buFont typeface="Arial"/>
+              <a:buChar char="•"/>
+            </a:pPr>
+          </a:p>
+          <a:p>
+            <a:pPr>
+              <a:lnSpc>
+                <a:spcPct val="150000"/>
+              </a:lnSpc>
+              <a:buSzPct val="100000"/>
+              <a:buFont typeface="Arial"/>
+              <a:buChar char="•"/>
+            </a:pPr>
+            <a:r>
+              <a:t>補充說明：一堂課要設計多少個「問題回答」或「自我練習」，由種子講師決定即可。</a:t>
+            </a:r>
+          </a:p>
+        </p:txBody>
+      </p:sp>
+    </p:spTree>
+  </p:cSld>
+  <p:clrMapOvr>
+    <a:masterClrMapping/>
+  </p:clrMapOvr>
+</p:notes>
+</file>
+
+<file path=ppt/notesSlides/notesSlide9.xml><?xml version="1.0" encoding="utf-8"?>
+<p:notes xmlns:a="http://schemas.openxmlformats.org/drawingml/2006/main" xmlns:r="http://schemas.openxmlformats.org/officeDocument/2006/relationships" xmlns:p="http://schemas.openxmlformats.org/presentationml/2006/main" xmlns:m="http://schemas.openxmlformats.org/officeDocument/2006/math" xmlns:a14="http://schemas.microsoft.com/office/drawing/2010/main" showMasterSp="1" showMasterPhAnim="1">
+  <p:cSld>
+    <p:spTree>
+      <p:nvGrpSpPr>
+        <p:cNvPr id="1" name=""/>
+        <p:cNvGrpSpPr/>
+        <p:nvPr/>
+      </p:nvGrpSpPr>
+      <p:grpSpPr>
+        <a:xfrm>
+          <a:off x="0" y="0"/>
+          <a:ext cx="0" cy="0"/>
+          <a:chOff x="0" y="0"/>
+          <a:chExt cx="0" cy="0"/>
+        </a:xfrm>
+      </p:grpSpPr>
+      <p:sp>
+        <p:nvSpPr>
+          <p:cNvPr id="741" name="Shape 741"/>
+          <p:cNvSpPr/>
+          <p:nvPr>
+            <p:ph type="sldImg"/>
+          </p:nvPr>
+        </p:nvSpPr>
+        <p:spPr>
+          <a:prstGeom prst="rect">
+            <a:avLst/>
+          </a:prstGeom>
+        </p:spPr>
+        <p:txBody>
+          <a:bodyPr/>
+          <a:lstStyle/>
+          <a:p>
+            <a:pPr/>
+          </a:p>
+        </p:txBody>
+      </p:sp>
+      <p:sp>
+        <p:nvSpPr>
+          <p:cNvPr id="742" name="Shape 742"/>
           <p:cNvSpPr/>
           <p:nvPr>
             <p:ph type="body" sz="quarter" idx="1"/>
@@ -32887,6 +34697,900 @@
 </p:sld>
 </file>
 
+<file path=ppt/slides/slide10.xml><?xml version="1.0" encoding="utf-8"?>
+<p:sld xmlns:a="http://schemas.openxmlformats.org/drawingml/2006/main" xmlns:r="http://schemas.openxmlformats.org/officeDocument/2006/relationships" xmlns:p="http://schemas.openxmlformats.org/presentationml/2006/main" xmlns:m="http://schemas.openxmlformats.org/officeDocument/2006/math" xmlns:a14="http://schemas.microsoft.com/office/drawing/2010/main" showMasterSp="1" showMasterPhAnim="1">
+  <p:cSld>
+    <p:spTree>
+      <p:nvGrpSpPr>
+        <p:cNvPr id="1" name=""/>
+        <p:cNvGrpSpPr/>
+        <p:nvPr/>
+      </p:nvGrpSpPr>
+      <p:grpSpPr>
+        <a:xfrm>
+          <a:off x="0" y="0"/>
+          <a:ext cx="0" cy="0"/>
+          <a:chOff x="0" y="0"/>
+          <a:chExt cx="0" cy="0"/>
+        </a:xfrm>
+      </p:grpSpPr>
+      <p:sp>
+        <p:nvSpPr>
+          <p:cNvPr id="744" name="投影片編號版面配置區 2"/>
+          <p:cNvSpPr txBox="1"/>
+          <p:nvPr>
+            <p:ph type="sldNum" sz="quarter" idx="2"/>
+          </p:nvPr>
+        </p:nvSpPr>
+        <p:spPr>
+          <a:xfrm>
+            <a:off x="8747907" y="4841390"/>
+            <a:ext cx="245404" cy="226986"/>
+          </a:xfrm>
+          <a:prstGeom prst="rect">
+            <a:avLst/>
+          </a:prstGeom>
+          <a:extLst>
+            <a:ext uri="{C572A759-6A51-4108-AA02-DFA0A04FC94B}">
+              <ma14:wrappingTextBoxFlag xmlns:ma14="http://schemas.microsoft.com/office/mac/drawingml/2011/main" val="1"/>
+            </a:ext>
+          </a:extLst>
+        </p:spPr>
+        <p:txBody>
+          <a:bodyPr/>
+          <a:lstStyle/>
+          <a:p>
+            <a:pPr/>
+            <a:fld id="{86CB4B4D-7CA3-9044-876B-883B54F8677D}" type="slidenum"/>
+          </a:p>
+        </p:txBody>
+      </p:sp>
+      <p:pic>
+        <p:nvPicPr>
+          <p:cNvPr id="745" name="圖片版面配置區 32" descr="圖片版面配置區 32"/>
+          <p:cNvPicPr>
+            <a:picLocks noChangeAspect="1"/>
+          </p:cNvPicPr>
+          <p:nvPr>
+            <p:ph type="pic" idx="13"/>
+          </p:nvPr>
+        </p:nvPicPr>
+        <p:blipFill>
+          <a:blip r:embed="rId3">
+            <a:extLst/>
+          </a:blip>
+          <a:stretch>
+            <a:fillRect/>
+          </a:stretch>
+        </p:blipFill>
+        <p:spPr>
+          <a:prstGeom prst="rect">
+            <a:avLst/>
+          </a:prstGeom>
+        </p:spPr>
+      </p:pic>
+      <p:pic>
+        <p:nvPicPr>
+          <p:cNvPr id="746" name="圖片版面配置區 33" descr="圖片版面配置區 33"/>
+          <p:cNvPicPr>
+            <a:picLocks noChangeAspect="1"/>
+          </p:cNvPicPr>
+          <p:nvPr>
+            <p:ph type="pic" idx="14"/>
+          </p:nvPr>
+        </p:nvPicPr>
+        <p:blipFill>
+          <a:blip r:embed="rId3">
+            <a:extLst/>
+          </a:blip>
+          <a:stretch>
+            <a:fillRect/>
+          </a:stretch>
+        </p:blipFill>
+        <p:spPr>
+          <a:prstGeom prst="rect">
+            <a:avLst/>
+          </a:prstGeom>
+        </p:spPr>
+      </p:pic>
+      <p:sp>
+        <p:nvSpPr>
+          <p:cNvPr id="747" name="內容版面配置區 5"/>
+          <p:cNvSpPr txBox="1"/>
+          <p:nvPr/>
+        </p:nvSpPr>
+        <p:spPr>
+          <a:xfrm>
+            <a:off x="778598" y="252073"/>
+            <a:ext cx="4851881" cy="345441"/>
+          </a:xfrm>
+          <a:prstGeom prst="rect">
+            <a:avLst/>
+          </a:prstGeom>
+          <a:ln w="12700">
+            <a:miter lim="400000"/>
+          </a:ln>
+          <a:extLst>
+            <a:ext uri="{C572A759-6A51-4108-AA02-DFA0A04FC94B}">
+              <ma14:wrappingTextBoxFlag xmlns:ma14="http://schemas.microsoft.com/office/mac/drawingml/2011/main" val="1"/>
+            </a:ext>
+          </a:extLst>
+        </p:spPr>
+        <p:txBody>
+          <a:bodyPr lIns="45719" rIns="45719">
+            <a:spAutoFit/>
+          </a:bodyPr>
+          <a:lstStyle/>
+          <a:p>
+            <a:pPr lvl="1" marL="733425" indent="-342900">
+              <a:buClr>
+                <a:schemeClr val="accent5"/>
+              </a:buClr>
+              <a:buSzPct val="100000"/>
+              <a:buAutoNum type="arabicPeriod" startAt="2"/>
+            </a:pPr>
+            <a:r>
+              <a:t>在App Store Connect 建立 App</a:t>
+            </a:r>
+          </a:p>
+        </p:txBody>
+      </p:sp>
+      <p:sp>
+        <p:nvSpPr>
+          <p:cNvPr id="748" name="銷售付費 App，記得要先到 App Store Connect 的協議、稅務與銀行業務頁面設定銀行帳戶"/>
+          <p:cNvSpPr txBox="1"/>
+          <p:nvPr/>
+        </p:nvSpPr>
+        <p:spPr>
+          <a:xfrm>
+            <a:off x="1513324" y="596652"/>
+            <a:ext cx="7351227" cy="345441"/>
+          </a:xfrm>
+          <a:prstGeom prst="rect">
+            <a:avLst/>
+          </a:prstGeom>
+          <a:ln w="12700">
+            <a:miter lim="400000"/>
+          </a:ln>
+          <a:extLst>
+            <a:ext uri="{C572A759-6A51-4108-AA02-DFA0A04FC94B}">
+              <ma14:wrappingTextBoxFlag xmlns:ma14="http://schemas.microsoft.com/office/mac/drawingml/2011/main" val="1"/>
+            </a:ext>
+          </a:extLst>
+        </p:spPr>
+        <p:txBody>
+          <a:bodyPr wrap="none" lIns="45719" rIns="45719">
+            <a:spAutoFit/>
+          </a:bodyPr>
+          <a:lstStyle/>
+          <a:p>
+            <a:pPr/>
+            <a:r>
+              <a:t>銷售付費 App，記得要先到 App Store Connect 的協議、稅務與銀行業務頁面設定銀行帳戶</a:t>
+            </a:r>
+          </a:p>
+        </p:txBody>
+      </p:sp>
+      <p:pic>
+        <p:nvPicPr>
+          <p:cNvPr id="749" name="螢幕快照 2019-02-26 下午2.13.03.png" descr="螢幕快照 2019-02-26 下午2.13.03.png"/>
+          <p:cNvPicPr>
+            <a:picLocks noChangeAspect="1"/>
+          </p:cNvPicPr>
+          <p:nvPr/>
+        </p:nvPicPr>
+        <p:blipFill>
+          <a:blip r:embed="rId4">
+            <a:extLst/>
+          </a:blip>
+          <a:stretch>
+            <a:fillRect/>
+          </a:stretch>
+        </p:blipFill>
+        <p:spPr>
+          <a:xfrm>
+            <a:off x="3133841" y="1166980"/>
+            <a:ext cx="2747430" cy="2978130"/>
+          </a:xfrm>
+          <a:prstGeom prst="rect">
+            <a:avLst/>
+          </a:prstGeom>
+          <a:ln w="12700">
+            <a:miter lim="400000"/>
+          </a:ln>
+        </p:spPr>
+      </p:pic>
+    </p:spTree>
+  </p:cSld>
+  <p:clrMapOvr>
+    <a:masterClrMapping/>
+  </p:clrMapOvr>
+  <p:transition xmlns:p14="http://schemas.microsoft.com/office/powerpoint/2010/main" spd="med" advClick="1"/>
+</p:sld>
+</file>
+
+<file path=ppt/slides/slide11.xml><?xml version="1.0" encoding="utf-8"?>
+<p:sld xmlns:a="http://schemas.openxmlformats.org/drawingml/2006/main" xmlns:r="http://schemas.openxmlformats.org/officeDocument/2006/relationships" xmlns:p="http://schemas.openxmlformats.org/presentationml/2006/main" xmlns:m="http://schemas.openxmlformats.org/officeDocument/2006/math" xmlns:a14="http://schemas.microsoft.com/office/drawing/2010/main" showMasterSp="1" showMasterPhAnim="1">
+  <p:cSld>
+    <p:spTree>
+      <p:nvGrpSpPr>
+        <p:cNvPr id="1" name=""/>
+        <p:cNvGrpSpPr/>
+        <p:nvPr/>
+      </p:nvGrpSpPr>
+      <p:grpSpPr>
+        <a:xfrm>
+          <a:off x="0" y="0"/>
+          <a:ext cx="0" cy="0"/>
+          <a:chOff x="0" y="0"/>
+          <a:chExt cx="0" cy="0"/>
+        </a:xfrm>
+      </p:grpSpPr>
+      <p:sp>
+        <p:nvSpPr>
+          <p:cNvPr id="753" name="投影片編號版面配置區 2"/>
+          <p:cNvSpPr txBox="1"/>
+          <p:nvPr>
+            <p:ph type="sldNum" sz="quarter" idx="2"/>
+          </p:nvPr>
+        </p:nvSpPr>
+        <p:spPr>
+          <a:xfrm>
+            <a:off x="8752620" y="4841390"/>
+            <a:ext cx="235978" cy="226986"/>
+          </a:xfrm>
+          <a:prstGeom prst="rect">
+            <a:avLst/>
+          </a:prstGeom>
+          <a:extLst>
+            <a:ext uri="{C572A759-6A51-4108-AA02-DFA0A04FC94B}">
+              <ma14:wrappingTextBoxFlag xmlns:ma14="http://schemas.microsoft.com/office/mac/drawingml/2011/main" val="1"/>
+            </a:ext>
+          </a:extLst>
+        </p:spPr>
+        <p:txBody>
+          <a:bodyPr/>
+          <a:lstStyle/>
+          <a:p>
+            <a:pPr/>
+            <a:fld id="{86CB4B4D-7CA3-9044-876B-883B54F8677D}" type="slidenum"/>
+          </a:p>
+        </p:txBody>
+      </p:sp>
+      <p:pic>
+        <p:nvPicPr>
+          <p:cNvPr id="754" name="圖片版面配置區 32" descr="圖片版面配置區 32"/>
+          <p:cNvPicPr>
+            <a:picLocks noChangeAspect="1"/>
+          </p:cNvPicPr>
+          <p:nvPr>
+            <p:ph type="pic" idx="13"/>
+          </p:nvPr>
+        </p:nvPicPr>
+        <p:blipFill>
+          <a:blip r:embed="rId3">
+            <a:extLst/>
+          </a:blip>
+          <a:stretch>
+            <a:fillRect/>
+          </a:stretch>
+        </p:blipFill>
+        <p:spPr>
+          <a:prstGeom prst="rect">
+            <a:avLst/>
+          </a:prstGeom>
+        </p:spPr>
+      </p:pic>
+      <p:pic>
+        <p:nvPicPr>
+          <p:cNvPr id="755" name="圖片版面配置區 33" descr="圖片版面配置區 33"/>
+          <p:cNvPicPr>
+            <a:picLocks noChangeAspect="1"/>
+          </p:cNvPicPr>
+          <p:nvPr>
+            <p:ph type="pic" idx="14"/>
+          </p:nvPr>
+        </p:nvPicPr>
+        <p:blipFill>
+          <a:blip r:embed="rId3">
+            <a:extLst/>
+          </a:blip>
+          <a:stretch>
+            <a:fillRect/>
+          </a:stretch>
+        </p:blipFill>
+        <p:spPr>
+          <a:prstGeom prst="rect">
+            <a:avLst/>
+          </a:prstGeom>
+        </p:spPr>
+      </p:pic>
+      <p:sp>
+        <p:nvSpPr>
+          <p:cNvPr id="756" name="內容版面配置區 5"/>
+          <p:cNvSpPr txBox="1"/>
+          <p:nvPr/>
+        </p:nvSpPr>
+        <p:spPr>
+          <a:xfrm>
+            <a:off x="778598" y="252073"/>
+            <a:ext cx="4851881" cy="345441"/>
+          </a:xfrm>
+          <a:prstGeom prst="rect">
+            <a:avLst/>
+          </a:prstGeom>
+          <a:ln w="12700">
+            <a:miter lim="400000"/>
+          </a:ln>
+          <a:extLst>
+            <a:ext uri="{C572A759-6A51-4108-AA02-DFA0A04FC94B}">
+              <ma14:wrappingTextBoxFlag xmlns:ma14="http://schemas.microsoft.com/office/mac/drawingml/2011/main" val="1"/>
+            </a:ext>
+          </a:extLst>
+        </p:spPr>
+        <p:txBody>
+          <a:bodyPr lIns="45719" rIns="45719">
+            <a:spAutoFit/>
+          </a:bodyPr>
+          <a:lstStyle/>
+          <a:p>
+            <a:pPr lvl="1" marL="733425" indent="-342900">
+              <a:buClr>
+                <a:schemeClr val="accent5"/>
+              </a:buClr>
+              <a:buSzPct val="100000"/>
+              <a:buAutoNum type="arabicPeriod" startAt="2"/>
+            </a:pPr>
+            <a:r>
+              <a:t>在App Store Connect 建立 App</a:t>
+            </a:r>
+          </a:p>
+        </p:txBody>
+      </p:sp>
+      <p:sp>
+        <p:nvSpPr>
+          <p:cNvPr id="757" name="設定App圖片和影片"/>
+          <p:cNvSpPr txBox="1"/>
+          <p:nvPr/>
+        </p:nvSpPr>
+        <p:spPr>
+          <a:xfrm>
+            <a:off x="1513324" y="596652"/>
+            <a:ext cx="1694357" cy="345441"/>
+          </a:xfrm>
+          <a:prstGeom prst="rect">
+            <a:avLst/>
+          </a:prstGeom>
+          <a:ln w="12700">
+            <a:miter lim="400000"/>
+          </a:ln>
+          <a:extLst>
+            <a:ext uri="{C572A759-6A51-4108-AA02-DFA0A04FC94B}">
+              <ma14:wrappingTextBoxFlag xmlns:ma14="http://schemas.microsoft.com/office/mac/drawingml/2011/main" val="1"/>
+            </a:ext>
+          </a:extLst>
+        </p:spPr>
+        <p:txBody>
+          <a:bodyPr wrap="none" lIns="45719" rIns="45719">
+            <a:spAutoFit/>
+          </a:bodyPr>
+          <a:lstStyle/>
+          <a:p>
+            <a:pPr/>
+            <a:r>
+              <a:t>設定App圖片和影片</a:t>
+            </a:r>
+          </a:p>
+        </p:txBody>
+      </p:sp>
+      <p:pic>
+        <p:nvPicPr>
+          <p:cNvPr id="758" name="螢幕快照 2019-02-26 下午2.14.59.png" descr="螢幕快照 2019-02-26 下午2.14.59.png"/>
+          <p:cNvPicPr>
+            <a:picLocks noChangeAspect="1"/>
+          </p:cNvPicPr>
+          <p:nvPr/>
+        </p:nvPicPr>
+        <p:blipFill>
+          <a:blip r:embed="rId4">
+            <a:extLst/>
+          </a:blip>
+          <a:stretch>
+            <a:fillRect/>
+          </a:stretch>
+        </p:blipFill>
+        <p:spPr>
+          <a:xfrm>
+            <a:off x="1384923" y="1114992"/>
+            <a:ext cx="7187864" cy="3299838"/>
+          </a:xfrm>
+          <a:prstGeom prst="rect">
+            <a:avLst/>
+          </a:prstGeom>
+          <a:ln w="12700">
+            <a:miter lim="400000"/>
+          </a:ln>
+        </p:spPr>
+      </p:pic>
+    </p:spTree>
+  </p:cSld>
+  <p:clrMapOvr>
+    <a:masterClrMapping/>
+  </p:clrMapOvr>
+  <p:transition xmlns:p14="http://schemas.microsoft.com/office/powerpoint/2010/main" spd="med" advClick="1"/>
+</p:sld>
+</file>
+
+<file path=ppt/slides/slide12.xml><?xml version="1.0" encoding="utf-8"?>
+<p:sld xmlns:a="http://schemas.openxmlformats.org/drawingml/2006/main" xmlns:r="http://schemas.openxmlformats.org/officeDocument/2006/relationships" xmlns:p="http://schemas.openxmlformats.org/presentationml/2006/main" xmlns:m="http://schemas.openxmlformats.org/officeDocument/2006/math" xmlns:a14="http://schemas.microsoft.com/office/drawing/2010/main" showMasterSp="1" showMasterPhAnim="1">
+  <p:cSld>
+    <p:spTree>
+      <p:nvGrpSpPr>
+        <p:cNvPr id="1" name=""/>
+        <p:cNvGrpSpPr/>
+        <p:nvPr/>
+      </p:nvGrpSpPr>
+      <p:grpSpPr>
+        <a:xfrm>
+          <a:off x="0" y="0"/>
+          <a:ext cx="0" cy="0"/>
+          <a:chOff x="0" y="0"/>
+          <a:chExt cx="0" cy="0"/>
+        </a:xfrm>
+      </p:grpSpPr>
+      <p:sp>
+        <p:nvSpPr>
+          <p:cNvPr id="762" name="投影片編號版面配置區 2"/>
+          <p:cNvSpPr txBox="1"/>
+          <p:nvPr>
+            <p:ph type="sldNum" sz="quarter" idx="2"/>
+          </p:nvPr>
+        </p:nvSpPr>
+        <p:spPr>
+          <a:xfrm>
+            <a:off x="8747907" y="4841390"/>
+            <a:ext cx="245404" cy="226986"/>
+          </a:xfrm>
+          <a:prstGeom prst="rect">
+            <a:avLst/>
+          </a:prstGeom>
+          <a:extLst>
+            <a:ext uri="{C572A759-6A51-4108-AA02-DFA0A04FC94B}">
+              <ma14:wrappingTextBoxFlag xmlns:ma14="http://schemas.microsoft.com/office/mac/drawingml/2011/main" val="1"/>
+            </a:ext>
+          </a:extLst>
+        </p:spPr>
+        <p:txBody>
+          <a:bodyPr/>
+          <a:lstStyle/>
+          <a:p>
+            <a:pPr/>
+            <a:fld id="{86CB4B4D-7CA3-9044-876B-883B54F8677D}" type="slidenum"/>
+          </a:p>
+        </p:txBody>
+      </p:sp>
+      <p:pic>
+        <p:nvPicPr>
+          <p:cNvPr id="763" name="圖片版面配置區 32" descr="圖片版面配置區 32"/>
+          <p:cNvPicPr>
+            <a:picLocks noChangeAspect="1"/>
+          </p:cNvPicPr>
+          <p:nvPr>
+            <p:ph type="pic" idx="13"/>
+          </p:nvPr>
+        </p:nvPicPr>
+        <p:blipFill>
+          <a:blip r:embed="rId3">
+            <a:extLst/>
+          </a:blip>
+          <a:stretch>
+            <a:fillRect/>
+          </a:stretch>
+        </p:blipFill>
+        <p:spPr>
+          <a:prstGeom prst="rect">
+            <a:avLst/>
+          </a:prstGeom>
+        </p:spPr>
+      </p:pic>
+      <p:pic>
+        <p:nvPicPr>
+          <p:cNvPr id="764" name="圖片版面配置區 33" descr="圖片版面配置區 33"/>
+          <p:cNvPicPr>
+            <a:picLocks noChangeAspect="1"/>
+          </p:cNvPicPr>
+          <p:nvPr>
+            <p:ph type="pic" idx="14"/>
+          </p:nvPr>
+        </p:nvPicPr>
+        <p:blipFill>
+          <a:blip r:embed="rId3">
+            <a:extLst/>
+          </a:blip>
+          <a:stretch>
+            <a:fillRect/>
+          </a:stretch>
+        </p:blipFill>
+        <p:spPr>
+          <a:prstGeom prst="rect">
+            <a:avLst/>
+          </a:prstGeom>
+        </p:spPr>
+      </p:pic>
+      <p:sp>
+        <p:nvSpPr>
+          <p:cNvPr id="765" name="內容版面配置區 5"/>
+          <p:cNvSpPr txBox="1"/>
+          <p:nvPr/>
+        </p:nvSpPr>
+        <p:spPr>
+          <a:xfrm>
+            <a:off x="778598" y="252073"/>
+            <a:ext cx="4851881" cy="345441"/>
+          </a:xfrm>
+          <a:prstGeom prst="rect">
+            <a:avLst/>
+          </a:prstGeom>
+          <a:ln w="12700">
+            <a:miter lim="400000"/>
+          </a:ln>
+          <a:extLst>
+            <a:ext uri="{C572A759-6A51-4108-AA02-DFA0A04FC94B}">
+              <ma14:wrappingTextBoxFlag xmlns:ma14="http://schemas.microsoft.com/office/mac/drawingml/2011/main" val="1"/>
+            </a:ext>
+          </a:extLst>
+        </p:spPr>
+        <p:txBody>
+          <a:bodyPr lIns="45719" rIns="45719">
+            <a:spAutoFit/>
+          </a:bodyPr>
+          <a:lstStyle/>
+          <a:p>
+            <a:pPr lvl="1" marL="733425" indent="-342900">
+              <a:buClr>
+                <a:schemeClr val="accent5"/>
+              </a:buClr>
+              <a:buSzPct val="100000"/>
+              <a:buAutoNum type="arabicPeriod" startAt="2"/>
+            </a:pPr>
+            <a:r>
+              <a:t>在App Store Connect 建立 App</a:t>
+            </a:r>
+          </a:p>
+        </p:txBody>
+      </p:sp>
+      <p:sp>
+        <p:nvSpPr>
+          <p:cNvPr id="766" name="設定App關鍵字、支援URL和行銷URL"/>
+          <p:cNvSpPr txBox="1"/>
+          <p:nvPr/>
+        </p:nvSpPr>
+        <p:spPr>
+          <a:xfrm>
+            <a:off x="1513324" y="596652"/>
+            <a:ext cx="3136378" cy="345441"/>
+          </a:xfrm>
+          <a:prstGeom prst="rect">
+            <a:avLst/>
+          </a:prstGeom>
+          <a:ln w="12700">
+            <a:miter lim="400000"/>
+          </a:ln>
+          <a:extLst>
+            <a:ext uri="{C572A759-6A51-4108-AA02-DFA0A04FC94B}">
+              <ma14:wrappingTextBoxFlag xmlns:ma14="http://schemas.microsoft.com/office/mac/drawingml/2011/main" val="1"/>
+            </a:ext>
+          </a:extLst>
+        </p:spPr>
+        <p:txBody>
+          <a:bodyPr wrap="none" lIns="45719" rIns="45719">
+            <a:spAutoFit/>
+          </a:bodyPr>
+          <a:lstStyle/>
+          <a:p>
+            <a:pPr/>
+            <a:r>
+              <a:t>設定App關鍵字、支援URL和行銷URL</a:t>
+            </a:r>
+          </a:p>
+        </p:txBody>
+      </p:sp>
+      <p:pic>
+        <p:nvPicPr>
+          <p:cNvPr id="767" name="螢幕快照 2019-02-26 下午2.17.17.png" descr="螢幕快照 2019-02-26 下午2.17.17.png"/>
+          <p:cNvPicPr>
+            <a:picLocks noChangeAspect="1"/>
+          </p:cNvPicPr>
+          <p:nvPr/>
+        </p:nvPicPr>
+        <p:blipFill>
+          <a:blip r:embed="rId4">
+            <a:extLst/>
+          </a:blip>
+          <a:stretch>
+            <a:fillRect/>
+          </a:stretch>
+        </p:blipFill>
+        <p:spPr>
+          <a:xfrm>
+            <a:off x="1331877" y="1021069"/>
+            <a:ext cx="5519705" cy="2242836"/>
+          </a:xfrm>
+          <a:prstGeom prst="rect">
+            <a:avLst/>
+          </a:prstGeom>
+          <a:ln w="12700">
+            <a:miter lim="400000"/>
+          </a:ln>
+        </p:spPr>
+      </p:pic>
+    </p:spTree>
+  </p:cSld>
+  <p:clrMapOvr>
+    <a:masterClrMapping/>
+  </p:clrMapOvr>
+  <p:transition xmlns:p14="http://schemas.microsoft.com/office/powerpoint/2010/main" spd="med" advClick="1"/>
+</p:sld>
+</file>
+
+<file path=ppt/slides/slide13.xml><?xml version="1.0" encoding="utf-8"?>
+<p:sld xmlns:a="http://schemas.openxmlformats.org/drawingml/2006/main" xmlns:r="http://schemas.openxmlformats.org/officeDocument/2006/relationships" xmlns:p="http://schemas.openxmlformats.org/presentationml/2006/main" xmlns:m="http://schemas.openxmlformats.org/officeDocument/2006/math" xmlns:a14="http://schemas.microsoft.com/office/drawing/2010/main" showMasterSp="1" showMasterPhAnim="1">
+  <p:cSld>
+    <p:spTree>
+      <p:nvGrpSpPr>
+        <p:cNvPr id="1" name=""/>
+        <p:cNvGrpSpPr/>
+        <p:nvPr/>
+      </p:nvGrpSpPr>
+      <p:grpSpPr>
+        <a:xfrm>
+          <a:off x="0" y="0"/>
+          <a:ext cx="0" cy="0"/>
+          <a:chOff x="0" y="0"/>
+          <a:chExt cx="0" cy="0"/>
+        </a:xfrm>
+      </p:grpSpPr>
+      <p:sp>
+        <p:nvSpPr>
+          <p:cNvPr id="771" name="投影片編號版面配置區 2"/>
+          <p:cNvSpPr txBox="1"/>
+          <p:nvPr>
+            <p:ph type="sldNum" sz="quarter" idx="2"/>
+          </p:nvPr>
+        </p:nvSpPr>
+        <p:spPr>
+          <a:xfrm>
+            <a:off x="8747907" y="4841390"/>
+            <a:ext cx="245404" cy="226986"/>
+          </a:xfrm>
+          <a:prstGeom prst="rect">
+            <a:avLst/>
+          </a:prstGeom>
+          <a:extLst>
+            <a:ext uri="{C572A759-6A51-4108-AA02-DFA0A04FC94B}">
+              <ma14:wrappingTextBoxFlag xmlns:ma14="http://schemas.microsoft.com/office/mac/drawingml/2011/main" val="1"/>
+            </a:ext>
+          </a:extLst>
+        </p:spPr>
+        <p:txBody>
+          <a:bodyPr/>
+          <a:lstStyle/>
+          <a:p>
+            <a:pPr/>
+            <a:fld id="{86CB4B4D-7CA3-9044-876B-883B54F8677D}" type="slidenum"/>
+          </a:p>
+        </p:txBody>
+      </p:sp>
+      <p:pic>
+        <p:nvPicPr>
+          <p:cNvPr id="772" name="圖片版面配置區 32" descr="圖片版面配置區 32"/>
+          <p:cNvPicPr>
+            <a:picLocks noChangeAspect="1"/>
+          </p:cNvPicPr>
+          <p:nvPr>
+            <p:ph type="pic" idx="13"/>
+          </p:nvPr>
+        </p:nvPicPr>
+        <p:blipFill>
+          <a:blip r:embed="rId3">
+            <a:extLst/>
+          </a:blip>
+          <a:stretch>
+            <a:fillRect/>
+          </a:stretch>
+        </p:blipFill>
+        <p:spPr>
+          <a:prstGeom prst="rect">
+            <a:avLst/>
+          </a:prstGeom>
+        </p:spPr>
+      </p:pic>
+      <p:pic>
+        <p:nvPicPr>
+          <p:cNvPr id="773" name="圖片版面配置區 33" descr="圖片版面配置區 33"/>
+          <p:cNvPicPr>
+            <a:picLocks noChangeAspect="1"/>
+          </p:cNvPicPr>
+          <p:nvPr>
+            <p:ph type="pic" idx="14"/>
+          </p:nvPr>
+        </p:nvPicPr>
+        <p:blipFill>
+          <a:blip r:embed="rId3">
+            <a:extLst/>
+          </a:blip>
+          <a:stretch>
+            <a:fillRect/>
+          </a:stretch>
+        </p:blipFill>
+        <p:spPr>
+          <a:prstGeom prst="rect">
+            <a:avLst/>
+          </a:prstGeom>
+        </p:spPr>
+      </p:pic>
+      <p:sp>
+        <p:nvSpPr>
+          <p:cNvPr id="774" name="內容版面配置區 5"/>
+          <p:cNvSpPr txBox="1"/>
+          <p:nvPr/>
+        </p:nvSpPr>
+        <p:spPr>
+          <a:xfrm>
+            <a:off x="778598" y="252073"/>
+            <a:ext cx="4851881" cy="789941"/>
+          </a:xfrm>
+          <a:prstGeom prst="rect">
+            <a:avLst/>
+          </a:prstGeom>
+          <a:ln w="12700">
+            <a:miter lim="400000"/>
+          </a:ln>
+          <a:extLst>
+            <a:ext uri="{C572A759-6A51-4108-AA02-DFA0A04FC94B}">
+              <ma14:wrappingTextBoxFlag xmlns:ma14="http://schemas.microsoft.com/office/mac/drawingml/2011/main" val="1"/>
+            </a:ext>
+          </a:extLst>
+        </p:spPr>
+        <p:txBody>
+          <a:bodyPr lIns="45719" rIns="45719">
+            <a:spAutoFit/>
+          </a:bodyPr>
+          <a:lstStyle/>
+          <a:p>
+            <a:pPr lvl="1" marL="733425" indent="-342900">
+              <a:buClr>
+                <a:schemeClr val="accent5"/>
+              </a:buClr>
+              <a:buSzPct val="100000"/>
+              <a:buAutoNum type="arabicPeriod" startAt="3"/>
+            </a:pPr>
+            <a:r>
+              <a:t>從Xode上傳App</a:t>
+            </a:r>
+          </a:p>
+          <a:p>
+            <a:pPr lvl="1" marL="733425" indent="-342900">
+              <a:spcBef>
+                <a:spcPts val="1100"/>
+              </a:spcBef>
+              <a:buClr>
+                <a:schemeClr val="accent5"/>
+              </a:buClr>
+              <a:buSzPct val="100000"/>
+              <a:buAutoNum type="arabicPeriod" startAt="3"/>
+            </a:pPr>
+            <a:r>
+              <a:t>至App Store Connect 送審App</a:t>
+            </a:r>
+          </a:p>
+        </p:txBody>
+      </p:sp>
+      <p:sp>
+        <p:nvSpPr>
+          <p:cNvPr id="775" name="完整上架流程影片">
+            <a:hlinkClick r:id="rId4" invalidUrl="" action="" tgtFrame="" tooltip="" history="1" highlightClick="0" endSnd="0"/>
+          </p:cNvPr>
+          <p:cNvSpPr txBox="1"/>
+          <p:nvPr/>
+        </p:nvSpPr>
+        <p:spPr>
+          <a:xfrm>
+            <a:off x="4811405" y="655591"/>
+            <a:ext cx="1526541" cy="345441"/>
+          </a:xfrm>
+          <a:prstGeom prst="rect">
+            <a:avLst/>
+          </a:prstGeom>
+          <a:ln w="12700">
+            <a:miter lim="400000"/>
+          </a:ln>
+          <a:extLst>
+            <a:ext uri="{C572A759-6A51-4108-AA02-DFA0A04FC94B}">
+              <ma14:wrappingTextBoxFlag xmlns:ma14="http://schemas.microsoft.com/office/mac/drawingml/2011/main" val="1"/>
+            </a:ext>
+          </a:extLst>
+        </p:spPr>
+        <p:txBody>
+          <a:bodyPr wrap="none" lIns="45719" rIns="45719">
+            <a:spAutoFit/>
+          </a:bodyPr>
+          <a:lstStyle/>
+          <a:p>
+            <a:pPr/>
+            <a:r>
+              <a:t>完整上架流程影片</a:t>
+            </a:r>
+          </a:p>
+        </p:txBody>
+      </p:sp>
+      <p:pic>
+        <p:nvPicPr>
+          <p:cNvPr id="776" name="螢幕快照 2019-02-26 下午2.27.32.png" descr="螢幕快照 2019-02-26 下午2.27.32.png"/>
+          <p:cNvPicPr>
+            <a:picLocks noChangeAspect="1"/>
+          </p:cNvPicPr>
+          <p:nvPr/>
+        </p:nvPicPr>
+        <p:blipFill>
+          <a:blip r:embed="rId5">
+            <a:extLst/>
+          </a:blip>
+          <a:stretch>
+            <a:fillRect/>
+          </a:stretch>
+        </p:blipFill>
+        <p:spPr>
+          <a:xfrm>
+            <a:off x="4206410" y="1179993"/>
+            <a:ext cx="4441246" cy="3058179"/>
+          </a:xfrm>
+          <a:prstGeom prst="rect">
+            <a:avLst/>
+          </a:prstGeom>
+          <a:ln w="12700">
+            <a:miter lim="400000"/>
+          </a:ln>
+        </p:spPr>
+      </p:pic>
+      <p:pic>
+        <p:nvPicPr>
+          <p:cNvPr id="777" name="螢幕快照 2019-02-26 下午2.28.04.png" descr="螢幕快照 2019-02-26 下午2.28.04.png"/>
+          <p:cNvPicPr>
+            <a:picLocks noChangeAspect="1"/>
+          </p:cNvPicPr>
+          <p:nvPr/>
+        </p:nvPicPr>
+        <p:blipFill>
+          <a:blip r:embed="rId6">
+            <a:extLst/>
+          </a:blip>
+          <a:stretch>
+            <a:fillRect/>
+          </a:stretch>
+        </p:blipFill>
+        <p:spPr>
+          <a:xfrm>
+            <a:off x="750272" y="1235521"/>
+            <a:ext cx="3139901" cy="2431243"/>
+          </a:xfrm>
+          <a:prstGeom prst="rect">
+            <a:avLst/>
+          </a:prstGeom>
+          <a:ln w="12700">
+            <a:miter lim="400000"/>
+          </a:ln>
+        </p:spPr>
+      </p:pic>
+    </p:spTree>
+  </p:cSld>
+  <p:clrMapOvr>
+    <a:masterClrMapping/>
+  </p:clrMapOvr>
+  <p:transition xmlns:p14="http://schemas.microsoft.com/office/powerpoint/2010/main" spd="med" advClick="1"/>
+</p:sld>
+</file>
+
 <file path=ppt/slides/slide2.xml><?xml version="1.0" encoding="utf-8"?>
 <p:sld xmlns:a="http://schemas.openxmlformats.org/drawingml/2006/main" xmlns:r="http://schemas.openxmlformats.org/officeDocument/2006/relationships" xmlns:p="http://schemas.openxmlformats.org/presentationml/2006/main" xmlns:m="http://schemas.openxmlformats.org/officeDocument/2006/math" xmlns:a14="http://schemas.microsoft.com/office/drawing/2010/main" showMasterSp="1" showMasterPhAnim="1">
   <p:cSld>
@@ -32945,7 +35649,7 @@
                 <a:cs typeface="微軟正黑體"/>
                 <a:sym typeface="微軟正黑體"/>
               </a:rPr>
-              <a:t>作品影片展示</a:t>
+              <a:t>本堂教學重點</a:t>
             </a:r>
           </a:p>
         </p:txBody>
@@ -33029,6 +35733,93 @@
           </a:prstGeom>
         </p:spPr>
       </p:pic>
+      <p:sp>
+        <p:nvSpPr>
+          <p:cNvPr id="676" name="內容版面配置區 5"/>
+          <p:cNvSpPr txBox="1"/>
+          <p:nvPr/>
+        </p:nvSpPr>
+        <p:spPr>
+          <a:xfrm>
+            <a:off x="1897686" y="1333500"/>
+            <a:ext cx="4851881" cy="1678941"/>
+          </a:xfrm>
+          <a:prstGeom prst="rect">
+            <a:avLst/>
+          </a:prstGeom>
+          <a:ln w="12700">
+            <a:miter lim="400000"/>
+          </a:ln>
+          <a:extLst>
+            <a:ext uri="{C572A759-6A51-4108-AA02-DFA0A04FC94B}">
+              <ma14:wrappingTextBoxFlag xmlns:ma14="http://schemas.microsoft.com/office/mac/drawingml/2011/main" val="1"/>
+            </a:ext>
+          </a:extLst>
+        </p:spPr>
+        <p:txBody>
+          <a:bodyPr lIns="45719" rIns="45719">
+            <a:spAutoFit/>
+          </a:bodyPr>
+          <a:lstStyle/>
+          <a:p>
+            <a:pPr lvl="1" marL="733425" indent="-342900">
+              <a:buClr>
+                <a:schemeClr val="accent5"/>
+              </a:buClr>
+              <a:buSzPct val="100000"/>
+              <a:buAutoNum type="arabicPeriod" startAt="1"/>
+            </a:pPr>
+            <a:r>
+              <a:t>申請付費開發者帳號</a:t>
+            </a:r>
+          </a:p>
+          <a:p>
+            <a:pPr lvl="1" marL="733425" indent="-342900">
+              <a:spcBef>
+                <a:spcPts val="1100"/>
+              </a:spcBef>
+              <a:buClr>
+                <a:schemeClr val="accent5"/>
+              </a:buClr>
+              <a:buSzPct val="100000"/>
+              <a:buAutoNum type="arabicPeriod" startAt="1"/>
+            </a:pPr>
+            <a:r>
+              <a:t>在App Store Connect 建立 App</a:t>
+            </a:r>
+          </a:p>
+          <a:p>
+            <a:pPr lvl="1" marL="733425" indent="-342900">
+              <a:spcBef>
+                <a:spcPts val="1100"/>
+              </a:spcBef>
+              <a:buClr>
+                <a:schemeClr val="accent5"/>
+              </a:buClr>
+              <a:buSzPct val="100000"/>
+              <a:buAutoNum type="arabicPeriod" startAt="1"/>
+            </a:pPr>
+            <a:r>
+              <a:t>從Xode上傳App</a:t>
+            </a:r>
+          </a:p>
+          <a:p>
+            <a:pPr lvl="1" marL="733425" indent="-342900">
+              <a:spcBef>
+                <a:spcPts val="1100"/>
+              </a:spcBef>
+              <a:buClr>
+                <a:schemeClr val="accent5"/>
+              </a:buClr>
+              <a:buSzPct val="100000"/>
+              <a:buAutoNum type="arabicPeriod" startAt="1"/>
+            </a:pPr>
+            <a:r>
+              <a:t>至App Store Connect 送審App</a:t>
+            </a:r>
+          </a:p>
+        </p:txBody>
+      </p:sp>
     </p:spTree>
   </p:cSld>
   <p:clrMapOvr>
@@ -33055,52 +35846,6 @@
           <a:chExt cx="0" cy="0"/>
         </a:xfrm>
       </p:grpSpPr>
-      <p:sp>
-        <p:nvSpPr>
-          <p:cNvPr id="679" name="標題 1"/>
-          <p:cNvSpPr txBox="1"/>
-          <p:nvPr>
-            <p:ph type="title"/>
-          </p:nvPr>
-        </p:nvSpPr>
-        <p:spPr>
-          <a:prstGeom prst="rect">
-            <a:avLst/>
-          </a:prstGeom>
-        </p:spPr>
-        <p:txBody>
-          <a:bodyPr/>
-          <a:lstStyle>
-            <a:lvl1pPr>
-              <a:defRPr sz="3100">
-                <a:latin typeface="微軟正黑體"/>
-                <a:ea typeface="微軟正黑體"/>
-                <a:cs typeface="微軟正黑體"/>
-                <a:sym typeface="微軟正黑體"/>
-              </a:defRPr>
-            </a:lvl1pPr>
-          </a:lstStyle>
-          <a:p>
-            <a:pPr>
-              <a:defRPr>
-                <a:latin typeface="Arial"/>
-                <a:ea typeface="Arial"/>
-                <a:cs typeface="Arial"/>
-                <a:sym typeface="Arial"/>
-              </a:defRPr>
-            </a:pPr>
-            <a:r>
-              <a:rPr>
-                <a:latin typeface="微軟正黑體"/>
-                <a:ea typeface="微軟正黑體"/>
-                <a:cs typeface="微軟正黑體"/>
-                <a:sym typeface="微軟正黑體"/>
-              </a:rPr>
-              <a:t>本堂教學重點</a:t>
-            </a:r>
-          </a:p>
-        </p:txBody>
-      </p:sp>
       <p:sp>
         <p:nvSpPr>
           <p:cNvPr id="680" name="投影片編號版面配置區 2"/>
@@ -33188,8 +35933,8 @@
         </p:nvSpPr>
         <p:spPr>
           <a:xfrm>
-            <a:off x="1897686" y="1333500"/>
-            <a:ext cx="4851881" cy="1678941"/>
+            <a:off x="740936" y="424241"/>
+            <a:ext cx="4851882" cy="345441"/>
           </a:xfrm>
           <a:prstGeom prst="rect">
             <a:avLst/>
@@ -33217,56 +35962,1381 @@
               <a:buAutoNum type="arabicPeriod" startAt="1"/>
             </a:pPr>
             <a:r>
-              <a:t>手動建立UITabViewController</a:t>
+              <a:t>申請付費開發者帳號</a:t>
             </a:r>
           </a:p>
+        </p:txBody>
+      </p:sp>
+      <p:pic>
+        <p:nvPicPr>
+          <p:cNvPr id="684" name="螢幕快照 2019-02-26 下午1.47.07.png" descr="螢幕快照 2019-02-26 下午1.47.07.png"/>
+          <p:cNvPicPr>
+            <a:picLocks noChangeAspect="1"/>
+          </p:cNvPicPr>
+          <p:nvPr/>
+        </p:nvPicPr>
+        <p:blipFill>
+          <a:blip r:embed="rId4">
+            <a:extLst/>
+          </a:blip>
+          <a:stretch>
+            <a:fillRect/>
+          </a:stretch>
+        </p:blipFill>
+        <p:spPr>
+          <a:xfrm>
+            <a:off x="2287614" y="858715"/>
+            <a:ext cx="3673888" cy="4065814"/>
+          </a:xfrm>
+          <a:prstGeom prst="rect">
+            <a:avLst/>
+          </a:prstGeom>
+          <a:ln w="12700">
+            <a:miter lim="400000"/>
+          </a:ln>
+        </p:spPr>
+      </p:pic>
+      <p:sp>
+        <p:nvSpPr>
+          <p:cNvPr id="685" name="立刻申請">
+            <a:hlinkClick r:id="rId5" invalidUrl="" action="" tgtFrame="" tooltip="" history="1" highlightClick="0" endSnd="0"/>
+          </p:cNvPr>
+          <p:cNvSpPr txBox="1"/>
+          <p:nvPr/>
+        </p:nvSpPr>
+        <p:spPr>
+          <a:xfrm>
+            <a:off x="6301729" y="4518840"/>
+            <a:ext cx="815341" cy="345441"/>
+          </a:xfrm>
+          <a:prstGeom prst="rect">
+            <a:avLst/>
+          </a:prstGeom>
+          <a:ln w="12700">
+            <a:miter lim="400000"/>
+          </a:ln>
+          <a:extLst>
+            <a:ext uri="{C572A759-6A51-4108-AA02-DFA0A04FC94B}">
+              <ma14:wrappingTextBoxFlag xmlns:ma14="http://schemas.microsoft.com/office/mac/drawingml/2011/main" val="1"/>
+            </a:ext>
+          </a:extLst>
+        </p:spPr>
+        <p:txBody>
+          <a:bodyPr wrap="none" lIns="45719" rIns="45719">
+            <a:spAutoFit/>
+          </a:bodyPr>
+          <a:lstStyle/>
+          <a:p>
+            <a:pPr/>
+            <a:r>
+              <a:t>立刻申請</a:t>
+            </a:r>
+          </a:p>
+        </p:txBody>
+      </p:sp>
+    </p:spTree>
+  </p:cSld>
+  <p:clrMapOvr>
+    <a:masterClrMapping/>
+  </p:clrMapOvr>
+  <p:transition xmlns:p14="http://schemas.microsoft.com/office/powerpoint/2010/main" spd="med" advClick="1"/>
+</p:sld>
+</file>
+
+<file path=ppt/slides/slide4.xml><?xml version="1.0" encoding="utf-8"?>
+<p:sld xmlns:a="http://schemas.openxmlformats.org/drawingml/2006/main" xmlns:r="http://schemas.openxmlformats.org/officeDocument/2006/relationships" xmlns:p="http://schemas.openxmlformats.org/presentationml/2006/main" xmlns:m="http://schemas.openxmlformats.org/officeDocument/2006/math" xmlns:a14="http://schemas.microsoft.com/office/drawing/2010/main" showMasterSp="1" showMasterPhAnim="1">
+  <p:cSld>
+    <p:spTree>
+      <p:nvGrpSpPr>
+        <p:cNvPr id="1" name=""/>
+        <p:cNvGrpSpPr/>
+        <p:nvPr/>
+      </p:nvGrpSpPr>
+      <p:grpSpPr>
+        <a:xfrm>
+          <a:off x="0" y="0"/>
+          <a:ext cx="0" cy="0"/>
+          <a:chOff x="0" y="0"/>
+          <a:chExt cx="0" cy="0"/>
+        </a:xfrm>
+      </p:grpSpPr>
+      <p:sp>
+        <p:nvSpPr>
+          <p:cNvPr id="689" name="投影片編號版面配置區 2"/>
+          <p:cNvSpPr txBox="1"/>
+          <p:nvPr>
+            <p:ph type="sldNum" sz="quarter" idx="2"/>
+          </p:nvPr>
+        </p:nvSpPr>
+        <p:spPr>
+          <a:xfrm>
+            <a:off x="8783223" y="4841390"/>
+            <a:ext cx="174772" cy="226986"/>
+          </a:xfrm>
+          <a:prstGeom prst="rect">
+            <a:avLst/>
+          </a:prstGeom>
+          <a:extLst>
+            <a:ext uri="{C572A759-6A51-4108-AA02-DFA0A04FC94B}">
+              <ma14:wrappingTextBoxFlag xmlns:ma14="http://schemas.microsoft.com/office/mac/drawingml/2011/main" val="1"/>
+            </a:ext>
+          </a:extLst>
+        </p:spPr>
+        <p:txBody>
+          <a:bodyPr/>
+          <a:lstStyle/>
+          <a:p>
+            <a:pPr/>
+            <a:fld id="{86CB4B4D-7CA3-9044-876B-883B54F8677D}" type="slidenum"/>
+          </a:p>
+        </p:txBody>
+      </p:sp>
+      <p:pic>
+        <p:nvPicPr>
+          <p:cNvPr id="690" name="圖片版面配置區 32" descr="圖片版面配置區 32"/>
+          <p:cNvPicPr>
+            <a:picLocks noChangeAspect="1"/>
+          </p:cNvPicPr>
+          <p:nvPr>
+            <p:ph type="pic" idx="13"/>
+          </p:nvPr>
+        </p:nvPicPr>
+        <p:blipFill>
+          <a:blip r:embed="rId3">
+            <a:extLst/>
+          </a:blip>
+          <a:stretch>
+            <a:fillRect/>
+          </a:stretch>
+        </p:blipFill>
+        <p:spPr>
+          <a:prstGeom prst="rect">
+            <a:avLst/>
+          </a:prstGeom>
+        </p:spPr>
+      </p:pic>
+      <p:pic>
+        <p:nvPicPr>
+          <p:cNvPr id="691" name="圖片版面配置區 33" descr="圖片版面配置區 33"/>
+          <p:cNvPicPr>
+            <a:picLocks noChangeAspect="1"/>
+          </p:cNvPicPr>
+          <p:nvPr>
+            <p:ph type="pic" idx="14"/>
+          </p:nvPr>
+        </p:nvPicPr>
+        <p:blipFill>
+          <a:blip r:embed="rId3">
+            <a:extLst/>
+          </a:blip>
+          <a:stretch>
+            <a:fillRect/>
+          </a:stretch>
+        </p:blipFill>
+        <p:spPr>
+          <a:prstGeom prst="rect">
+            <a:avLst/>
+          </a:prstGeom>
+        </p:spPr>
+      </p:pic>
+      <p:sp>
+        <p:nvSpPr>
+          <p:cNvPr id="692" name="內容版面配置區 5"/>
+          <p:cNvSpPr txBox="1"/>
+          <p:nvPr/>
+        </p:nvSpPr>
+        <p:spPr>
+          <a:xfrm>
+            <a:off x="762457" y="451142"/>
+            <a:ext cx="4851881" cy="345441"/>
+          </a:xfrm>
+          <a:prstGeom prst="rect">
+            <a:avLst/>
+          </a:prstGeom>
+          <a:ln w="12700">
+            <a:miter lim="400000"/>
+          </a:ln>
+          <a:extLst>
+            <a:ext uri="{C572A759-6A51-4108-AA02-DFA0A04FC94B}">
+              <ma14:wrappingTextBoxFlag xmlns:ma14="http://schemas.microsoft.com/office/mac/drawingml/2011/main" val="1"/>
+            </a:ext>
+          </a:extLst>
+        </p:spPr>
+        <p:txBody>
+          <a:bodyPr lIns="45719" rIns="45719">
+            <a:spAutoFit/>
+          </a:bodyPr>
+          <a:lstStyle/>
           <a:p>
             <a:pPr lvl="1" marL="733425" indent="-342900">
-              <a:spcBef>
-                <a:spcPts val="1100"/>
-              </a:spcBef>
               <a:buClr>
                 <a:schemeClr val="accent5"/>
               </a:buClr>
               <a:buSzPct val="100000"/>
-              <a:buAutoNum type="arabicPeriod" startAt="1"/>
+              <a:buAutoNum type="arabicPeriod" startAt="2"/>
             </a:pPr>
             <a:r>
-              <a:t>使用UIStoryboard建立實體</a:t>
+              <a:t>在App Store Connect 建立 App</a:t>
             </a:r>
           </a:p>
+        </p:txBody>
+      </p:sp>
+      <p:sp>
+        <p:nvSpPr>
+          <p:cNvPr id="693" name="立刻建立App">
+            <a:hlinkClick r:id="rId4" invalidUrl="" action="" tgtFrame="" tooltip="" history="1" highlightClick="0" endSnd="0"/>
+          </p:cNvPr>
+          <p:cNvSpPr txBox="1"/>
+          <p:nvPr/>
+        </p:nvSpPr>
+        <p:spPr>
+          <a:xfrm>
+            <a:off x="6812850" y="3808650"/>
+            <a:ext cx="1160957" cy="345441"/>
+          </a:xfrm>
+          <a:prstGeom prst="rect">
+            <a:avLst/>
+          </a:prstGeom>
+          <a:ln w="12700">
+            <a:miter lim="400000"/>
+          </a:ln>
+          <a:extLst>
+            <a:ext uri="{C572A759-6A51-4108-AA02-DFA0A04FC94B}">
+              <ma14:wrappingTextBoxFlag xmlns:ma14="http://schemas.microsoft.com/office/mac/drawingml/2011/main" val="1"/>
+            </a:ext>
+          </a:extLst>
+        </p:spPr>
+        <p:txBody>
+          <a:bodyPr wrap="none" lIns="45719" rIns="45719">
+            <a:spAutoFit/>
+          </a:bodyPr>
+          <a:lstStyle/>
+          <a:p>
+            <a:pPr/>
+            <a:r>
+              <a:t>立刻建立App</a:t>
+            </a:r>
+          </a:p>
+        </p:txBody>
+      </p:sp>
+      <p:pic>
+        <p:nvPicPr>
+          <p:cNvPr id="694" name="螢幕快照 2019-02-26 下午1.52.59.png" descr="螢幕快照 2019-02-26 下午1.52.59.png"/>
+          <p:cNvPicPr>
+            <a:picLocks noChangeAspect="1"/>
+          </p:cNvPicPr>
+          <p:nvPr/>
+        </p:nvPicPr>
+        <p:blipFill>
+          <a:blip r:embed="rId5">
+            <a:extLst/>
+          </a:blip>
+          <a:stretch>
+            <a:fillRect/>
+          </a:stretch>
+        </p:blipFill>
+        <p:spPr>
+          <a:xfrm>
+            <a:off x="1146091" y="780401"/>
+            <a:ext cx="6718889" cy="2837275"/>
+          </a:xfrm>
+          <a:prstGeom prst="rect">
+            <a:avLst/>
+          </a:prstGeom>
+          <a:ln w="12700">
+            <a:miter lim="400000"/>
+          </a:ln>
+        </p:spPr>
+      </p:pic>
+    </p:spTree>
+  </p:cSld>
+  <p:clrMapOvr>
+    <a:masterClrMapping/>
+  </p:clrMapOvr>
+  <p:transition xmlns:p14="http://schemas.microsoft.com/office/powerpoint/2010/main" spd="med" advClick="1"/>
+</p:sld>
+</file>
+
+<file path=ppt/slides/slide5.xml><?xml version="1.0" encoding="utf-8"?>
+<p:sld xmlns:a="http://schemas.openxmlformats.org/drawingml/2006/main" xmlns:r="http://schemas.openxmlformats.org/officeDocument/2006/relationships" xmlns:p="http://schemas.openxmlformats.org/presentationml/2006/main" xmlns:m="http://schemas.openxmlformats.org/officeDocument/2006/math" xmlns:a14="http://schemas.microsoft.com/office/drawing/2010/main" showMasterSp="1" showMasterPhAnim="1">
+  <p:cSld>
+    <p:spTree>
+      <p:nvGrpSpPr>
+        <p:cNvPr id="1" name=""/>
+        <p:cNvGrpSpPr/>
+        <p:nvPr/>
+      </p:nvGrpSpPr>
+      <p:grpSpPr>
+        <a:xfrm>
+          <a:off x="0" y="0"/>
+          <a:ext cx="0" cy="0"/>
+          <a:chOff x="0" y="0"/>
+          <a:chExt cx="0" cy="0"/>
+        </a:xfrm>
+      </p:grpSpPr>
+      <p:sp>
+        <p:nvSpPr>
+          <p:cNvPr id="698" name="投影片編號版面配置區 2"/>
+          <p:cNvSpPr txBox="1"/>
+          <p:nvPr>
+            <p:ph type="sldNum" sz="quarter" idx="2"/>
+          </p:nvPr>
+        </p:nvSpPr>
+        <p:spPr>
+          <a:xfrm>
+            <a:off x="8783223" y="4841390"/>
+            <a:ext cx="174772" cy="226986"/>
+          </a:xfrm>
+          <a:prstGeom prst="rect">
+            <a:avLst/>
+          </a:prstGeom>
+          <a:extLst>
+            <a:ext uri="{C572A759-6A51-4108-AA02-DFA0A04FC94B}">
+              <ma14:wrappingTextBoxFlag xmlns:ma14="http://schemas.microsoft.com/office/mac/drawingml/2011/main" val="1"/>
+            </a:ext>
+          </a:extLst>
+        </p:spPr>
+        <p:txBody>
+          <a:bodyPr/>
+          <a:lstStyle/>
+          <a:p>
+            <a:pPr/>
+            <a:fld id="{86CB4B4D-7CA3-9044-876B-883B54F8677D}" type="slidenum"/>
+          </a:p>
+        </p:txBody>
+      </p:sp>
+      <p:pic>
+        <p:nvPicPr>
+          <p:cNvPr id="699" name="圖片版面配置區 32" descr="圖片版面配置區 32"/>
+          <p:cNvPicPr>
+            <a:picLocks noChangeAspect="1"/>
+          </p:cNvPicPr>
+          <p:nvPr>
+            <p:ph type="pic" idx="13"/>
+          </p:nvPr>
+        </p:nvPicPr>
+        <p:blipFill>
+          <a:blip r:embed="rId3">
+            <a:extLst/>
+          </a:blip>
+          <a:stretch>
+            <a:fillRect/>
+          </a:stretch>
+        </p:blipFill>
+        <p:spPr>
+          <a:prstGeom prst="rect">
+            <a:avLst/>
+          </a:prstGeom>
+        </p:spPr>
+      </p:pic>
+      <p:pic>
+        <p:nvPicPr>
+          <p:cNvPr id="700" name="圖片版面配置區 33" descr="圖片版面配置區 33"/>
+          <p:cNvPicPr>
+            <a:picLocks noChangeAspect="1"/>
+          </p:cNvPicPr>
+          <p:nvPr>
+            <p:ph type="pic" idx="14"/>
+          </p:nvPr>
+        </p:nvPicPr>
+        <p:blipFill>
+          <a:blip r:embed="rId3">
+            <a:extLst/>
+          </a:blip>
+          <a:stretch>
+            <a:fillRect/>
+          </a:stretch>
+        </p:blipFill>
+        <p:spPr>
+          <a:prstGeom prst="rect">
+            <a:avLst/>
+          </a:prstGeom>
+        </p:spPr>
+      </p:pic>
+      <p:sp>
+        <p:nvSpPr>
+          <p:cNvPr id="701" name="內容版面配置區 5"/>
+          <p:cNvSpPr txBox="1"/>
+          <p:nvPr/>
+        </p:nvSpPr>
+        <p:spPr>
+          <a:xfrm>
+            <a:off x="778598" y="252073"/>
+            <a:ext cx="4851881" cy="345441"/>
+          </a:xfrm>
+          <a:prstGeom prst="rect">
+            <a:avLst/>
+          </a:prstGeom>
+          <a:ln w="12700">
+            <a:miter lim="400000"/>
+          </a:ln>
+          <a:extLst>
+            <a:ext uri="{C572A759-6A51-4108-AA02-DFA0A04FC94B}">
+              <ma14:wrappingTextBoxFlag xmlns:ma14="http://schemas.microsoft.com/office/mac/drawingml/2011/main" val="1"/>
+            </a:ext>
+          </a:extLst>
+        </p:spPr>
+        <p:txBody>
+          <a:bodyPr lIns="45719" rIns="45719">
+            <a:spAutoFit/>
+          </a:bodyPr>
+          <a:lstStyle/>
           <a:p>
             <a:pPr lvl="1" marL="733425" indent="-342900">
-              <a:spcBef>
-                <a:spcPts val="1100"/>
-              </a:spcBef>
               <a:buClr>
                 <a:schemeClr val="accent5"/>
               </a:buClr>
               <a:buSzPct val="100000"/>
-              <a:buAutoNum type="arabicPeriod" startAt="1"/>
+              <a:buAutoNum type="arabicPeriod" startAt="2"/>
             </a:pPr>
             <a:r>
-              <a:t>依五大洲來搜尋城市</a:t>
+              <a:t>在App Store Connect 建立 App</a:t>
             </a:r>
           </a:p>
+        </p:txBody>
+      </p:sp>
+      <p:pic>
+        <p:nvPicPr>
+          <p:cNvPr id="702" name="螢幕快照 2019-02-26 下午1.54.24.png" descr="螢幕快照 2019-02-26 下午1.54.24.png"/>
+          <p:cNvPicPr>
+            <a:picLocks noChangeAspect="1"/>
+          </p:cNvPicPr>
+          <p:nvPr/>
+        </p:nvPicPr>
+        <p:blipFill>
+          <a:blip r:embed="rId4">
+            <a:extLst/>
+          </a:blip>
+          <a:stretch>
+            <a:fillRect/>
+          </a:stretch>
+        </p:blipFill>
+        <p:spPr>
+          <a:xfrm>
+            <a:off x="1500612" y="927529"/>
+            <a:ext cx="6468177" cy="3793551"/>
+          </a:xfrm>
+          <a:prstGeom prst="rect">
+            <a:avLst/>
+          </a:prstGeom>
+          <a:ln w="12700">
+            <a:miter lim="400000"/>
+          </a:ln>
+        </p:spPr>
+      </p:pic>
+      <p:sp>
+        <p:nvSpPr>
+          <p:cNvPr id="703" name="點選我的App"/>
+          <p:cNvSpPr txBox="1"/>
+          <p:nvPr/>
+        </p:nvSpPr>
+        <p:spPr>
+          <a:xfrm>
+            <a:off x="1513324" y="596652"/>
+            <a:ext cx="1160957" cy="345441"/>
+          </a:xfrm>
+          <a:prstGeom prst="rect">
+            <a:avLst/>
+          </a:prstGeom>
+          <a:ln w="12700">
+            <a:miter lim="400000"/>
+          </a:ln>
+          <a:extLst>
+            <a:ext uri="{C572A759-6A51-4108-AA02-DFA0A04FC94B}">
+              <ma14:wrappingTextBoxFlag xmlns:ma14="http://schemas.microsoft.com/office/mac/drawingml/2011/main" val="1"/>
+            </a:ext>
+          </a:extLst>
+        </p:spPr>
+        <p:txBody>
+          <a:bodyPr wrap="none" lIns="45719" rIns="45719">
+            <a:spAutoFit/>
+          </a:bodyPr>
+          <a:lstStyle/>
+          <a:p>
+            <a:pPr/>
+            <a:r>
+              <a:t>點選我的App</a:t>
+            </a:r>
+          </a:p>
+        </p:txBody>
+      </p:sp>
+    </p:spTree>
+  </p:cSld>
+  <p:clrMapOvr>
+    <a:masterClrMapping/>
+  </p:clrMapOvr>
+  <p:transition xmlns:p14="http://schemas.microsoft.com/office/powerpoint/2010/main" spd="med" advClick="1"/>
+</p:sld>
+</file>
+
+<file path=ppt/slides/slide6.xml><?xml version="1.0" encoding="utf-8"?>
+<p:sld xmlns:a="http://schemas.openxmlformats.org/drawingml/2006/main" xmlns:r="http://schemas.openxmlformats.org/officeDocument/2006/relationships" xmlns:p="http://schemas.openxmlformats.org/presentationml/2006/main" xmlns:m="http://schemas.openxmlformats.org/officeDocument/2006/math" xmlns:a14="http://schemas.microsoft.com/office/drawing/2010/main" showMasterSp="1" showMasterPhAnim="1">
+  <p:cSld>
+    <p:spTree>
+      <p:nvGrpSpPr>
+        <p:cNvPr id="1" name=""/>
+        <p:cNvGrpSpPr/>
+        <p:nvPr/>
+      </p:nvGrpSpPr>
+      <p:grpSpPr>
+        <a:xfrm>
+          <a:off x="0" y="0"/>
+          <a:ext cx="0" cy="0"/>
+          <a:chOff x="0" y="0"/>
+          <a:chExt cx="0" cy="0"/>
+        </a:xfrm>
+      </p:grpSpPr>
+      <p:sp>
+        <p:nvSpPr>
+          <p:cNvPr id="707" name="投影片編號版面配置區 2"/>
+          <p:cNvSpPr txBox="1"/>
+          <p:nvPr>
+            <p:ph type="sldNum" sz="quarter" idx="2"/>
+          </p:nvPr>
+        </p:nvSpPr>
+        <p:spPr>
+          <a:xfrm>
+            <a:off x="8783223" y="4841390"/>
+            <a:ext cx="174772" cy="226986"/>
+          </a:xfrm>
+          <a:prstGeom prst="rect">
+            <a:avLst/>
+          </a:prstGeom>
+          <a:extLst>
+            <a:ext uri="{C572A759-6A51-4108-AA02-DFA0A04FC94B}">
+              <ma14:wrappingTextBoxFlag xmlns:ma14="http://schemas.microsoft.com/office/mac/drawingml/2011/main" val="1"/>
+            </a:ext>
+          </a:extLst>
+        </p:spPr>
+        <p:txBody>
+          <a:bodyPr/>
+          <a:lstStyle/>
+          <a:p>
+            <a:pPr/>
+            <a:fld id="{86CB4B4D-7CA3-9044-876B-883B54F8677D}" type="slidenum"/>
+          </a:p>
+        </p:txBody>
+      </p:sp>
+      <p:pic>
+        <p:nvPicPr>
+          <p:cNvPr id="708" name="圖片版面配置區 32" descr="圖片版面配置區 32"/>
+          <p:cNvPicPr>
+            <a:picLocks noChangeAspect="1"/>
+          </p:cNvPicPr>
+          <p:nvPr>
+            <p:ph type="pic" idx="13"/>
+          </p:nvPr>
+        </p:nvPicPr>
+        <p:blipFill>
+          <a:blip r:embed="rId3">
+            <a:extLst/>
+          </a:blip>
+          <a:stretch>
+            <a:fillRect/>
+          </a:stretch>
+        </p:blipFill>
+        <p:spPr>
+          <a:prstGeom prst="rect">
+            <a:avLst/>
+          </a:prstGeom>
+        </p:spPr>
+      </p:pic>
+      <p:pic>
+        <p:nvPicPr>
+          <p:cNvPr id="709" name="圖片版面配置區 33" descr="圖片版面配置區 33"/>
+          <p:cNvPicPr>
+            <a:picLocks noChangeAspect="1"/>
+          </p:cNvPicPr>
+          <p:nvPr>
+            <p:ph type="pic" idx="14"/>
+          </p:nvPr>
+        </p:nvPicPr>
+        <p:blipFill>
+          <a:blip r:embed="rId3">
+            <a:extLst/>
+          </a:blip>
+          <a:stretch>
+            <a:fillRect/>
+          </a:stretch>
+        </p:blipFill>
+        <p:spPr>
+          <a:prstGeom prst="rect">
+            <a:avLst/>
+          </a:prstGeom>
+        </p:spPr>
+      </p:pic>
+      <p:sp>
+        <p:nvSpPr>
+          <p:cNvPr id="710" name="內容版面配置區 5"/>
+          <p:cNvSpPr txBox="1"/>
+          <p:nvPr/>
+        </p:nvSpPr>
+        <p:spPr>
+          <a:xfrm>
+            <a:off x="778598" y="252073"/>
+            <a:ext cx="4851881" cy="345441"/>
+          </a:xfrm>
+          <a:prstGeom prst="rect">
+            <a:avLst/>
+          </a:prstGeom>
+          <a:ln w="12700">
+            <a:miter lim="400000"/>
+          </a:ln>
+          <a:extLst>
+            <a:ext uri="{C572A759-6A51-4108-AA02-DFA0A04FC94B}">
+              <ma14:wrappingTextBoxFlag xmlns:ma14="http://schemas.microsoft.com/office/mac/drawingml/2011/main" val="1"/>
+            </a:ext>
+          </a:extLst>
+        </p:spPr>
+        <p:txBody>
+          <a:bodyPr lIns="45719" rIns="45719">
+            <a:spAutoFit/>
+          </a:bodyPr>
+          <a:lstStyle/>
           <a:p>
             <a:pPr lvl="1" marL="733425" indent="-342900">
-              <a:spcBef>
-                <a:spcPts val="1100"/>
-              </a:spcBef>
               <a:buClr>
                 <a:schemeClr val="accent5"/>
               </a:buClr>
               <a:buSzPct val="100000"/>
-              <a:buAutoNum type="arabicPeriod" startAt="1"/>
+              <a:buAutoNum type="arabicPeriod" startAt="2"/>
             </a:pPr>
             <a:r>
-              <a:t>使用WKWebView顯示網頁</a:t>
+              <a:t>在App Store Connect 建立 App</a:t>
             </a:r>
           </a:p>
         </p:txBody>
       </p:sp>
+      <p:sp>
+        <p:nvSpPr>
+          <p:cNvPr id="711" name="點選新的App"/>
+          <p:cNvSpPr txBox="1"/>
+          <p:nvPr/>
+        </p:nvSpPr>
+        <p:spPr>
+          <a:xfrm>
+            <a:off x="1513324" y="596652"/>
+            <a:ext cx="1160957" cy="345441"/>
+          </a:xfrm>
+          <a:prstGeom prst="rect">
+            <a:avLst/>
+          </a:prstGeom>
+          <a:ln w="12700">
+            <a:miter lim="400000"/>
+          </a:ln>
+          <a:extLst>
+            <a:ext uri="{C572A759-6A51-4108-AA02-DFA0A04FC94B}">
+              <ma14:wrappingTextBoxFlag xmlns:ma14="http://schemas.microsoft.com/office/mac/drawingml/2011/main" val="1"/>
+            </a:ext>
+          </a:extLst>
+        </p:spPr>
+        <p:txBody>
+          <a:bodyPr wrap="none" lIns="45719" rIns="45719">
+            <a:spAutoFit/>
+          </a:bodyPr>
+          <a:lstStyle/>
+          <a:p>
+            <a:pPr/>
+            <a:r>
+              <a:t>點選新的App</a:t>
+            </a:r>
+          </a:p>
+        </p:txBody>
+      </p:sp>
+      <p:pic>
+        <p:nvPicPr>
+          <p:cNvPr id="712" name="螢幕快照 2019-02-26 下午1.55.36.png" descr="螢幕快照 2019-02-26 下午1.55.36.png"/>
+          <p:cNvPicPr>
+            <a:picLocks noChangeAspect="1"/>
+          </p:cNvPicPr>
+          <p:nvPr/>
+        </p:nvPicPr>
+        <p:blipFill>
+          <a:blip r:embed="rId4">
+            <a:extLst/>
+          </a:blip>
+          <a:stretch>
+            <a:fillRect/>
+          </a:stretch>
+        </p:blipFill>
+        <p:spPr>
+          <a:xfrm>
+            <a:off x="1356823" y="1084180"/>
+            <a:ext cx="5956301" cy="3276601"/>
+          </a:xfrm>
+          <a:prstGeom prst="rect">
+            <a:avLst/>
+          </a:prstGeom>
+          <a:ln w="12700">
+            <a:miter lim="400000"/>
+          </a:ln>
+        </p:spPr>
+      </p:pic>
+    </p:spTree>
+  </p:cSld>
+  <p:clrMapOvr>
+    <a:masterClrMapping/>
+  </p:clrMapOvr>
+  <p:transition xmlns:p14="http://schemas.microsoft.com/office/powerpoint/2010/main" spd="med" advClick="1"/>
+</p:sld>
+</file>
+
+<file path=ppt/slides/slide7.xml><?xml version="1.0" encoding="utf-8"?>
+<p:sld xmlns:a="http://schemas.openxmlformats.org/drawingml/2006/main" xmlns:r="http://schemas.openxmlformats.org/officeDocument/2006/relationships" xmlns:p="http://schemas.openxmlformats.org/presentationml/2006/main" xmlns:m="http://schemas.openxmlformats.org/officeDocument/2006/math" xmlns:a14="http://schemas.microsoft.com/office/drawing/2010/main" showMasterSp="1" showMasterPhAnim="1">
+  <p:cSld>
+    <p:spTree>
+      <p:nvGrpSpPr>
+        <p:cNvPr id="1" name=""/>
+        <p:cNvGrpSpPr/>
+        <p:nvPr/>
+      </p:nvGrpSpPr>
+      <p:grpSpPr>
+        <a:xfrm>
+          <a:off x="0" y="0"/>
+          <a:ext cx="0" cy="0"/>
+          <a:chOff x="0" y="0"/>
+          <a:chExt cx="0" cy="0"/>
+        </a:xfrm>
+      </p:grpSpPr>
+      <p:sp>
+        <p:nvSpPr>
+          <p:cNvPr id="716" name="投影片編號版面配置區 2"/>
+          <p:cNvSpPr txBox="1"/>
+          <p:nvPr>
+            <p:ph type="sldNum" sz="quarter" idx="2"/>
+          </p:nvPr>
+        </p:nvSpPr>
+        <p:spPr>
+          <a:xfrm>
+            <a:off x="8783223" y="4841390"/>
+            <a:ext cx="174772" cy="226986"/>
+          </a:xfrm>
+          <a:prstGeom prst="rect">
+            <a:avLst/>
+          </a:prstGeom>
+          <a:extLst>
+            <a:ext uri="{C572A759-6A51-4108-AA02-DFA0A04FC94B}">
+              <ma14:wrappingTextBoxFlag xmlns:ma14="http://schemas.microsoft.com/office/mac/drawingml/2011/main" val="1"/>
+            </a:ext>
+          </a:extLst>
+        </p:spPr>
+        <p:txBody>
+          <a:bodyPr/>
+          <a:lstStyle/>
+          <a:p>
+            <a:pPr/>
+            <a:fld id="{86CB4B4D-7CA3-9044-876B-883B54F8677D}" type="slidenum"/>
+          </a:p>
+        </p:txBody>
+      </p:sp>
+      <p:pic>
+        <p:nvPicPr>
+          <p:cNvPr id="717" name="圖片版面配置區 32" descr="圖片版面配置區 32"/>
+          <p:cNvPicPr>
+            <a:picLocks noChangeAspect="1"/>
+          </p:cNvPicPr>
+          <p:nvPr>
+            <p:ph type="pic" idx="13"/>
+          </p:nvPr>
+        </p:nvPicPr>
+        <p:blipFill>
+          <a:blip r:embed="rId3">
+            <a:extLst/>
+          </a:blip>
+          <a:stretch>
+            <a:fillRect/>
+          </a:stretch>
+        </p:blipFill>
+        <p:spPr>
+          <a:prstGeom prst="rect">
+            <a:avLst/>
+          </a:prstGeom>
+        </p:spPr>
+      </p:pic>
+      <p:pic>
+        <p:nvPicPr>
+          <p:cNvPr id="718" name="圖片版面配置區 33" descr="圖片版面配置區 33"/>
+          <p:cNvPicPr>
+            <a:picLocks noChangeAspect="1"/>
+          </p:cNvPicPr>
+          <p:nvPr>
+            <p:ph type="pic" idx="14"/>
+          </p:nvPr>
+        </p:nvPicPr>
+        <p:blipFill>
+          <a:blip r:embed="rId3">
+            <a:extLst/>
+          </a:blip>
+          <a:stretch>
+            <a:fillRect/>
+          </a:stretch>
+        </p:blipFill>
+        <p:spPr>
+          <a:prstGeom prst="rect">
+            <a:avLst/>
+          </a:prstGeom>
+        </p:spPr>
+      </p:pic>
+      <p:sp>
+        <p:nvSpPr>
+          <p:cNvPr id="719" name="內容版面配置區 5"/>
+          <p:cNvSpPr txBox="1"/>
+          <p:nvPr/>
+        </p:nvSpPr>
+        <p:spPr>
+          <a:xfrm>
+            <a:off x="778598" y="252073"/>
+            <a:ext cx="4851881" cy="345441"/>
+          </a:xfrm>
+          <a:prstGeom prst="rect">
+            <a:avLst/>
+          </a:prstGeom>
+          <a:ln w="12700">
+            <a:miter lim="400000"/>
+          </a:ln>
+          <a:extLst>
+            <a:ext uri="{C572A759-6A51-4108-AA02-DFA0A04FC94B}">
+              <ma14:wrappingTextBoxFlag xmlns:ma14="http://schemas.microsoft.com/office/mac/drawingml/2011/main" val="1"/>
+            </a:ext>
+          </a:extLst>
+        </p:spPr>
+        <p:txBody>
+          <a:bodyPr lIns="45719" rIns="45719">
+            <a:spAutoFit/>
+          </a:bodyPr>
+          <a:lstStyle/>
+          <a:p>
+            <a:pPr lvl="1" marL="733425" indent="-342900">
+              <a:buClr>
+                <a:schemeClr val="accent5"/>
+              </a:buClr>
+              <a:buSzPct val="100000"/>
+              <a:buAutoNum type="arabicPeriod" startAt="2"/>
+            </a:pPr>
+            <a:r>
+              <a:t>在App Store Connect 建立 App</a:t>
+            </a:r>
+          </a:p>
+        </p:txBody>
+      </p:sp>
+      <p:sp>
+        <p:nvSpPr>
+          <p:cNvPr id="720" name="設定App基本資料"/>
+          <p:cNvSpPr txBox="1"/>
+          <p:nvPr/>
+        </p:nvSpPr>
+        <p:spPr>
+          <a:xfrm>
+            <a:off x="1513324" y="596652"/>
+            <a:ext cx="1516557" cy="345441"/>
+          </a:xfrm>
+          <a:prstGeom prst="rect">
+            <a:avLst/>
+          </a:prstGeom>
+          <a:ln w="12700">
+            <a:miter lim="400000"/>
+          </a:ln>
+          <a:extLst>
+            <a:ext uri="{C572A759-6A51-4108-AA02-DFA0A04FC94B}">
+              <ma14:wrappingTextBoxFlag xmlns:ma14="http://schemas.microsoft.com/office/mac/drawingml/2011/main" val="1"/>
+            </a:ext>
+          </a:extLst>
+        </p:spPr>
+        <p:txBody>
+          <a:bodyPr wrap="none" lIns="45719" rIns="45719">
+            <a:spAutoFit/>
+          </a:bodyPr>
+          <a:lstStyle/>
+          <a:p>
+            <a:pPr/>
+            <a:r>
+              <a:t>設定App基本資料</a:t>
+            </a:r>
+          </a:p>
+        </p:txBody>
+      </p:sp>
+      <p:pic>
+        <p:nvPicPr>
+          <p:cNvPr id="721" name="5.png" descr="5.png"/>
+          <p:cNvPicPr>
+            <a:picLocks noChangeAspect="1"/>
+          </p:cNvPicPr>
+          <p:nvPr/>
+        </p:nvPicPr>
+        <p:blipFill>
+          <a:blip r:embed="rId4">
+            <a:extLst/>
+          </a:blip>
+          <a:stretch>
+            <a:fillRect/>
+          </a:stretch>
+        </p:blipFill>
+        <p:spPr>
+          <a:xfrm>
+            <a:off x="2710821" y="1043997"/>
+            <a:ext cx="2835510" cy="3681800"/>
+          </a:xfrm>
+          <a:prstGeom prst="rect">
+            <a:avLst/>
+          </a:prstGeom>
+          <a:ln w="12700">
+            <a:miter lim="400000"/>
+          </a:ln>
+        </p:spPr>
+      </p:pic>
+    </p:spTree>
+  </p:cSld>
+  <p:clrMapOvr>
+    <a:masterClrMapping/>
+  </p:clrMapOvr>
+  <p:transition xmlns:p14="http://schemas.microsoft.com/office/powerpoint/2010/main" spd="med" advClick="1"/>
+</p:sld>
+</file>
+
+<file path=ppt/slides/slide8.xml><?xml version="1.0" encoding="utf-8"?>
+<p:sld xmlns:a="http://schemas.openxmlformats.org/drawingml/2006/main" xmlns:r="http://schemas.openxmlformats.org/officeDocument/2006/relationships" xmlns:p="http://schemas.openxmlformats.org/presentationml/2006/main" xmlns:m="http://schemas.openxmlformats.org/officeDocument/2006/math" xmlns:a14="http://schemas.microsoft.com/office/drawing/2010/main" showMasterSp="1" showMasterPhAnim="1">
+  <p:cSld>
+    <p:spTree>
+      <p:nvGrpSpPr>
+        <p:cNvPr id="1" name=""/>
+        <p:cNvGrpSpPr/>
+        <p:nvPr/>
+      </p:nvGrpSpPr>
+      <p:grpSpPr>
+        <a:xfrm>
+          <a:off x="0" y="0"/>
+          <a:ext cx="0" cy="0"/>
+          <a:chOff x="0" y="0"/>
+          <a:chExt cx="0" cy="0"/>
+        </a:xfrm>
+      </p:grpSpPr>
+      <p:sp>
+        <p:nvSpPr>
+          <p:cNvPr id="725" name="投影片編號版面配置區 2"/>
+          <p:cNvSpPr txBox="1"/>
+          <p:nvPr>
+            <p:ph type="sldNum" sz="quarter" idx="2"/>
+          </p:nvPr>
+        </p:nvSpPr>
+        <p:spPr>
+          <a:xfrm>
+            <a:off x="8783223" y="4841390"/>
+            <a:ext cx="174772" cy="226986"/>
+          </a:xfrm>
+          <a:prstGeom prst="rect">
+            <a:avLst/>
+          </a:prstGeom>
+          <a:extLst>
+            <a:ext uri="{C572A759-6A51-4108-AA02-DFA0A04FC94B}">
+              <ma14:wrappingTextBoxFlag xmlns:ma14="http://schemas.microsoft.com/office/mac/drawingml/2011/main" val="1"/>
+            </a:ext>
+          </a:extLst>
+        </p:spPr>
+        <p:txBody>
+          <a:bodyPr/>
+          <a:lstStyle/>
+          <a:p>
+            <a:pPr/>
+            <a:fld id="{86CB4B4D-7CA3-9044-876B-883B54F8677D}" type="slidenum"/>
+          </a:p>
+        </p:txBody>
+      </p:sp>
+      <p:pic>
+        <p:nvPicPr>
+          <p:cNvPr id="726" name="圖片版面配置區 32" descr="圖片版面配置區 32"/>
+          <p:cNvPicPr>
+            <a:picLocks noChangeAspect="1"/>
+          </p:cNvPicPr>
+          <p:nvPr>
+            <p:ph type="pic" idx="13"/>
+          </p:nvPr>
+        </p:nvPicPr>
+        <p:blipFill>
+          <a:blip r:embed="rId3">
+            <a:extLst/>
+          </a:blip>
+          <a:stretch>
+            <a:fillRect/>
+          </a:stretch>
+        </p:blipFill>
+        <p:spPr>
+          <a:prstGeom prst="rect">
+            <a:avLst/>
+          </a:prstGeom>
+        </p:spPr>
+      </p:pic>
+      <p:pic>
+        <p:nvPicPr>
+          <p:cNvPr id="727" name="圖片版面配置區 33" descr="圖片版面配置區 33"/>
+          <p:cNvPicPr>
+            <a:picLocks noChangeAspect="1"/>
+          </p:cNvPicPr>
+          <p:nvPr>
+            <p:ph type="pic" idx="14"/>
+          </p:nvPr>
+        </p:nvPicPr>
+        <p:blipFill>
+          <a:blip r:embed="rId3">
+            <a:extLst/>
+          </a:blip>
+          <a:stretch>
+            <a:fillRect/>
+          </a:stretch>
+        </p:blipFill>
+        <p:spPr>
+          <a:prstGeom prst="rect">
+            <a:avLst/>
+          </a:prstGeom>
+        </p:spPr>
+      </p:pic>
+      <p:sp>
+        <p:nvSpPr>
+          <p:cNvPr id="728" name="內容版面配置區 5"/>
+          <p:cNvSpPr txBox="1"/>
+          <p:nvPr/>
+        </p:nvSpPr>
+        <p:spPr>
+          <a:xfrm>
+            <a:off x="778598" y="252073"/>
+            <a:ext cx="4851881" cy="345441"/>
+          </a:xfrm>
+          <a:prstGeom prst="rect">
+            <a:avLst/>
+          </a:prstGeom>
+          <a:ln w="12700">
+            <a:miter lim="400000"/>
+          </a:ln>
+          <a:extLst>
+            <a:ext uri="{C572A759-6A51-4108-AA02-DFA0A04FC94B}">
+              <ma14:wrappingTextBoxFlag xmlns:ma14="http://schemas.microsoft.com/office/mac/drawingml/2011/main" val="1"/>
+            </a:ext>
+          </a:extLst>
+        </p:spPr>
+        <p:txBody>
+          <a:bodyPr lIns="45719" rIns="45719">
+            <a:spAutoFit/>
+          </a:bodyPr>
+          <a:lstStyle/>
+          <a:p>
+            <a:pPr lvl="1" marL="733425" indent="-342900">
+              <a:buClr>
+                <a:schemeClr val="accent5"/>
+              </a:buClr>
+              <a:buSzPct val="100000"/>
+              <a:buAutoNum type="arabicPeriod" startAt="2"/>
+            </a:pPr>
+            <a:r>
+              <a:t>在App Store Connect 建立 App</a:t>
+            </a:r>
+          </a:p>
+        </p:txBody>
+      </p:sp>
+      <p:sp>
+        <p:nvSpPr>
+          <p:cNvPr id="729" name="在App資訊頁面設定其它資訊"/>
+          <p:cNvSpPr txBox="1"/>
+          <p:nvPr/>
+        </p:nvSpPr>
+        <p:spPr>
+          <a:xfrm>
+            <a:off x="1513324" y="596652"/>
+            <a:ext cx="2405557" cy="345441"/>
+          </a:xfrm>
+          <a:prstGeom prst="rect">
+            <a:avLst/>
+          </a:prstGeom>
+          <a:ln w="12700">
+            <a:miter lim="400000"/>
+          </a:ln>
+          <a:extLst>
+            <a:ext uri="{C572A759-6A51-4108-AA02-DFA0A04FC94B}">
+              <ma14:wrappingTextBoxFlag xmlns:ma14="http://schemas.microsoft.com/office/mac/drawingml/2011/main" val="1"/>
+            </a:ext>
+          </a:extLst>
+        </p:spPr>
+        <p:txBody>
+          <a:bodyPr wrap="none" lIns="45719" rIns="45719">
+            <a:spAutoFit/>
+          </a:bodyPr>
+          <a:lstStyle/>
+          <a:p>
+            <a:pPr/>
+            <a:r>
+              <a:t>在App資訊頁面設定其它資訊</a:t>
+            </a:r>
+          </a:p>
+        </p:txBody>
+      </p:sp>
+      <p:pic>
+        <p:nvPicPr>
+          <p:cNvPr id="730" name="101.png" descr="101.png"/>
+          <p:cNvPicPr>
+            <a:picLocks noChangeAspect="1"/>
+          </p:cNvPicPr>
+          <p:nvPr/>
+        </p:nvPicPr>
+        <p:blipFill>
+          <a:blip r:embed="rId4">
+            <a:extLst/>
+          </a:blip>
+          <a:stretch>
+            <a:fillRect/>
+          </a:stretch>
+        </p:blipFill>
+        <p:spPr>
+          <a:xfrm>
+            <a:off x="1510265" y="1114119"/>
+            <a:ext cx="6123470" cy="2637449"/>
+          </a:xfrm>
+          <a:prstGeom prst="rect">
+            <a:avLst/>
+          </a:prstGeom>
+          <a:ln w="12700">
+            <a:miter lim="400000"/>
+          </a:ln>
+        </p:spPr>
+      </p:pic>
+    </p:spTree>
+  </p:cSld>
+  <p:clrMapOvr>
+    <a:masterClrMapping/>
+  </p:clrMapOvr>
+  <p:transition xmlns:p14="http://schemas.microsoft.com/office/powerpoint/2010/main" spd="med" advClick="1"/>
+</p:sld>
+</file>
+
+<file path=ppt/slides/slide9.xml><?xml version="1.0" encoding="utf-8"?>
+<p:sld xmlns:a="http://schemas.openxmlformats.org/drawingml/2006/main" xmlns:r="http://schemas.openxmlformats.org/officeDocument/2006/relationships" xmlns:p="http://schemas.openxmlformats.org/presentationml/2006/main" xmlns:m="http://schemas.openxmlformats.org/officeDocument/2006/math" xmlns:a14="http://schemas.microsoft.com/office/drawing/2010/main" showMasterSp="1" showMasterPhAnim="1">
+  <p:cSld>
+    <p:spTree>
+      <p:nvGrpSpPr>
+        <p:cNvPr id="1" name=""/>
+        <p:cNvGrpSpPr/>
+        <p:nvPr/>
+      </p:nvGrpSpPr>
+      <p:grpSpPr>
+        <a:xfrm>
+          <a:off x="0" y="0"/>
+          <a:ext cx="0" cy="0"/>
+          <a:chOff x="0" y="0"/>
+          <a:chExt cx="0" cy="0"/>
+        </a:xfrm>
+      </p:grpSpPr>
+      <p:sp>
+        <p:nvSpPr>
+          <p:cNvPr id="734" name="投影片編號版面配置區 2"/>
+          <p:cNvSpPr txBox="1"/>
+          <p:nvPr>
+            <p:ph type="sldNum" sz="quarter" idx="2"/>
+          </p:nvPr>
+        </p:nvSpPr>
+        <p:spPr>
+          <a:xfrm>
+            <a:off x="8783223" y="4841390"/>
+            <a:ext cx="174772" cy="226986"/>
+          </a:xfrm>
+          <a:prstGeom prst="rect">
+            <a:avLst/>
+          </a:prstGeom>
+          <a:extLst>
+            <a:ext uri="{C572A759-6A51-4108-AA02-DFA0A04FC94B}">
+              <ma14:wrappingTextBoxFlag xmlns:ma14="http://schemas.microsoft.com/office/mac/drawingml/2011/main" val="1"/>
+            </a:ext>
+          </a:extLst>
+        </p:spPr>
+        <p:txBody>
+          <a:bodyPr/>
+          <a:lstStyle/>
+          <a:p>
+            <a:pPr/>
+            <a:fld id="{86CB4B4D-7CA3-9044-876B-883B54F8677D}" type="slidenum"/>
+          </a:p>
+        </p:txBody>
+      </p:sp>
+      <p:pic>
+        <p:nvPicPr>
+          <p:cNvPr id="735" name="圖片版面配置區 32" descr="圖片版面配置區 32"/>
+          <p:cNvPicPr>
+            <a:picLocks noChangeAspect="1"/>
+          </p:cNvPicPr>
+          <p:nvPr>
+            <p:ph type="pic" idx="13"/>
+          </p:nvPr>
+        </p:nvPicPr>
+        <p:blipFill>
+          <a:blip r:embed="rId3">
+            <a:extLst/>
+          </a:blip>
+          <a:stretch>
+            <a:fillRect/>
+          </a:stretch>
+        </p:blipFill>
+        <p:spPr>
+          <a:prstGeom prst="rect">
+            <a:avLst/>
+          </a:prstGeom>
+        </p:spPr>
+      </p:pic>
+      <p:pic>
+        <p:nvPicPr>
+          <p:cNvPr id="736" name="圖片版面配置區 33" descr="圖片版面配置區 33"/>
+          <p:cNvPicPr>
+            <a:picLocks noChangeAspect="1"/>
+          </p:cNvPicPr>
+          <p:nvPr>
+            <p:ph type="pic" idx="14"/>
+          </p:nvPr>
+        </p:nvPicPr>
+        <p:blipFill>
+          <a:blip r:embed="rId3">
+            <a:extLst/>
+          </a:blip>
+          <a:stretch>
+            <a:fillRect/>
+          </a:stretch>
+        </p:blipFill>
+        <p:spPr>
+          <a:prstGeom prst="rect">
+            <a:avLst/>
+          </a:prstGeom>
+        </p:spPr>
+      </p:pic>
+      <p:sp>
+        <p:nvSpPr>
+          <p:cNvPr id="737" name="內容版面配置區 5"/>
+          <p:cNvSpPr txBox="1"/>
+          <p:nvPr/>
+        </p:nvSpPr>
+        <p:spPr>
+          <a:xfrm>
+            <a:off x="778598" y="252073"/>
+            <a:ext cx="4851881" cy="345441"/>
+          </a:xfrm>
+          <a:prstGeom prst="rect">
+            <a:avLst/>
+          </a:prstGeom>
+          <a:ln w="12700">
+            <a:miter lim="400000"/>
+          </a:ln>
+          <a:extLst>
+            <a:ext uri="{C572A759-6A51-4108-AA02-DFA0A04FC94B}">
+              <ma14:wrappingTextBoxFlag xmlns:ma14="http://schemas.microsoft.com/office/mac/drawingml/2011/main" val="1"/>
+            </a:ext>
+          </a:extLst>
+        </p:spPr>
+        <p:txBody>
+          <a:bodyPr lIns="45719" rIns="45719">
+            <a:spAutoFit/>
+          </a:bodyPr>
+          <a:lstStyle/>
+          <a:p>
+            <a:pPr lvl="1" marL="733425" indent="-342900">
+              <a:buClr>
+                <a:schemeClr val="accent5"/>
+              </a:buClr>
+              <a:buSzPct val="100000"/>
+              <a:buAutoNum type="arabicPeriod" startAt="2"/>
+            </a:pPr>
+            <a:r>
+              <a:t>在App Store Connect 建立 App</a:t>
+            </a:r>
+          </a:p>
+        </p:txBody>
+      </p:sp>
+      <p:sp>
+        <p:nvSpPr>
+          <p:cNvPr id="738" name="設定App價格"/>
+          <p:cNvSpPr txBox="1"/>
+          <p:nvPr/>
+        </p:nvSpPr>
+        <p:spPr>
+          <a:xfrm>
+            <a:off x="1513324" y="596652"/>
+            <a:ext cx="1160957" cy="345441"/>
+          </a:xfrm>
+          <a:prstGeom prst="rect">
+            <a:avLst/>
+          </a:prstGeom>
+          <a:ln w="12700">
+            <a:miter lim="400000"/>
+          </a:ln>
+          <a:extLst>
+            <a:ext uri="{C572A759-6A51-4108-AA02-DFA0A04FC94B}">
+              <ma14:wrappingTextBoxFlag xmlns:ma14="http://schemas.microsoft.com/office/mac/drawingml/2011/main" val="1"/>
+            </a:ext>
+          </a:extLst>
+        </p:spPr>
+        <p:txBody>
+          <a:bodyPr wrap="none" lIns="45719" rIns="45719">
+            <a:spAutoFit/>
+          </a:bodyPr>
+          <a:lstStyle/>
+          <a:p>
+            <a:pPr/>
+            <a:r>
+              <a:t>設定App價格</a:t>
+            </a:r>
+          </a:p>
+        </p:txBody>
+      </p:sp>
+      <p:pic>
+        <p:nvPicPr>
+          <p:cNvPr id="739" name="螢幕快照 2019-02-26 下午2.11.16.png" descr="螢幕快照 2019-02-26 下午2.11.16.png"/>
+          <p:cNvPicPr>
+            <a:picLocks noChangeAspect="1"/>
+          </p:cNvPicPr>
+          <p:nvPr/>
+        </p:nvPicPr>
+        <p:blipFill>
+          <a:blip r:embed="rId4">
+            <a:extLst/>
+          </a:blip>
+          <a:stretch>
+            <a:fillRect/>
+          </a:stretch>
+        </p:blipFill>
+        <p:spPr>
+          <a:xfrm>
+            <a:off x="1266641" y="1105054"/>
+            <a:ext cx="3082832" cy="1927673"/>
+          </a:xfrm>
+          <a:prstGeom prst="rect">
+            <a:avLst/>
+          </a:prstGeom>
+          <a:ln w="12700">
+            <a:miter lim="400000"/>
+          </a:ln>
+        </p:spPr>
+      </p:pic>
+      <p:pic>
+        <p:nvPicPr>
+          <p:cNvPr id="740" name="螢幕快照 2019-02-26 下午2.11.44.png" descr="螢幕快照 2019-02-26 下午2.11.44.png"/>
+          <p:cNvPicPr>
+            <a:picLocks noChangeAspect="1"/>
+          </p:cNvPicPr>
+          <p:nvPr/>
+        </p:nvPicPr>
+        <p:blipFill>
+          <a:blip r:embed="rId5">
+            <a:extLst/>
+          </a:blip>
+          <a:stretch>
+            <a:fillRect/>
+          </a:stretch>
+        </p:blipFill>
+        <p:spPr>
+          <a:xfrm>
+            <a:off x="4620591" y="1106104"/>
+            <a:ext cx="1906020" cy="2526687"/>
+          </a:xfrm>
+          <a:prstGeom prst="rect">
+            <a:avLst/>
+          </a:prstGeom>
+          <a:ln w="12700">
+            <a:miter lim="400000"/>
+          </a:ln>
+        </p:spPr>
+      </p:pic>
     </p:spTree>
   </p:cSld>
   <p:clrMapOvr>
